--- a/PRISMA/PRISMA.pptx
+++ b/PRISMA/PRISMA.pptx
@@ -254,7 +254,7 @@
           <a:p>
             <a:fld id="{B741A2BA-98EC-B742-8E2C-55D74891877C}" type="datetimeFigureOut">
               <a:rPr lang="en-US" smtClean="0"/>
-              <a:t>12/18/20</a:t>
+              <a:t>1/11/21</a:t>
             </a:fld>
             <a:endParaRPr lang="en-US"/>
           </a:p>
@@ -424,7 +424,7 @@
           <a:p>
             <a:fld id="{B741A2BA-98EC-B742-8E2C-55D74891877C}" type="datetimeFigureOut">
               <a:rPr lang="en-US" smtClean="0"/>
-              <a:t>12/18/20</a:t>
+              <a:t>1/11/21</a:t>
             </a:fld>
             <a:endParaRPr lang="en-US"/>
           </a:p>
@@ -604,7 +604,7 @@
           <a:p>
             <a:fld id="{B741A2BA-98EC-B742-8E2C-55D74891877C}" type="datetimeFigureOut">
               <a:rPr lang="en-US" smtClean="0"/>
-              <a:t>12/18/20</a:t>
+              <a:t>1/11/21</a:t>
             </a:fld>
             <a:endParaRPr lang="en-US"/>
           </a:p>
@@ -774,7 +774,7 @@
           <a:p>
             <a:fld id="{B741A2BA-98EC-B742-8E2C-55D74891877C}" type="datetimeFigureOut">
               <a:rPr lang="en-US" smtClean="0"/>
-              <a:t>12/18/20</a:t>
+              <a:t>1/11/21</a:t>
             </a:fld>
             <a:endParaRPr lang="en-US"/>
           </a:p>
@@ -1018,7 +1018,7 @@
           <a:p>
             <a:fld id="{B741A2BA-98EC-B742-8E2C-55D74891877C}" type="datetimeFigureOut">
               <a:rPr lang="en-US" smtClean="0"/>
-              <a:t>12/18/20</a:t>
+              <a:t>1/11/21</a:t>
             </a:fld>
             <a:endParaRPr lang="en-US"/>
           </a:p>
@@ -1250,7 +1250,7 @@
           <a:p>
             <a:fld id="{B741A2BA-98EC-B742-8E2C-55D74891877C}" type="datetimeFigureOut">
               <a:rPr lang="en-US" smtClean="0"/>
-              <a:t>12/18/20</a:t>
+              <a:t>1/11/21</a:t>
             </a:fld>
             <a:endParaRPr lang="en-US"/>
           </a:p>
@@ -1617,7 +1617,7 @@
           <a:p>
             <a:fld id="{B741A2BA-98EC-B742-8E2C-55D74891877C}" type="datetimeFigureOut">
               <a:rPr lang="en-US" smtClean="0"/>
-              <a:t>12/18/20</a:t>
+              <a:t>1/11/21</a:t>
             </a:fld>
             <a:endParaRPr lang="en-US"/>
           </a:p>
@@ -1735,7 +1735,7 @@
           <a:p>
             <a:fld id="{B741A2BA-98EC-B742-8E2C-55D74891877C}" type="datetimeFigureOut">
               <a:rPr lang="en-US" smtClean="0"/>
-              <a:t>12/18/20</a:t>
+              <a:t>1/11/21</a:t>
             </a:fld>
             <a:endParaRPr lang="en-US"/>
           </a:p>
@@ -1830,7 +1830,7 @@
           <a:p>
             <a:fld id="{B741A2BA-98EC-B742-8E2C-55D74891877C}" type="datetimeFigureOut">
               <a:rPr lang="en-US" smtClean="0"/>
-              <a:t>12/18/20</a:t>
+              <a:t>1/11/21</a:t>
             </a:fld>
             <a:endParaRPr lang="en-US"/>
           </a:p>
@@ -2107,7 +2107,7 @@
           <a:p>
             <a:fld id="{B741A2BA-98EC-B742-8E2C-55D74891877C}" type="datetimeFigureOut">
               <a:rPr lang="en-US" smtClean="0"/>
-              <a:t>12/18/20</a:t>
+              <a:t>1/11/21</a:t>
             </a:fld>
             <a:endParaRPr lang="en-US"/>
           </a:p>
@@ -2364,7 +2364,7 @@
           <a:p>
             <a:fld id="{B741A2BA-98EC-B742-8E2C-55D74891877C}" type="datetimeFigureOut">
               <a:rPr lang="en-US" smtClean="0"/>
-              <a:t>12/18/20</a:t>
+              <a:t>1/11/21</a:t>
             </a:fld>
             <a:endParaRPr lang="en-US"/>
           </a:p>
@@ -2577,7 +2577,7 @@
           <a:p>
             <a:fld id="{B741A2BA-98EC-B742-8E2C-55D74891877C}" type="datetimeFigureOut">
               <a:rPr lang="en-US" smtClean="0"/>
-              <a:t>12/18/20</a:t>
+              <a:t>1/11/21</a:t>
             </a:fld>
             <a:endParaRPr lang="en-US"/>
           </a:p>
@@ -3657,7 +3657,7 @@
               <a:pPr algn="ctr"/>
               <a:r>
                 <a:rPr lang="en-US" sz="1050" dirty="0"/>
-                <a:t>(N = 177)</a:t>
+                <a:t>(N = 179)</a:t>
               </a:r>
             </a:p>
           </p:txBody>
@@ -3889,8 +3889,13 @@
               <a:pPr algn="ctr"/>
               <a:r>
                 <a:rPr lang="en-US" sz="1050" dirty="0"/>
-                <a:t>(N = 37)</a:t>
+                <a:t>(N </a:t>
               </a:r>
+              <a:r>
+                <a:rPr lang="en-US" sz="1050"/>
+                <a:t>= 35)</a:t>
+              </a:r>
+              <a:endParaRPr lang="en-US" sz="1050" dirty="0"/>
             </a:p>
           </p:txBody>
         </p:sp>

--- a/PRISMA/PRISMA.pptx
+++ b/PRISMA/PRISMA.pptx
@@ -1,11 +1,11 @@
 
 <file path=ppt/presentation.xml><?xml version="1.0" encoding="utf-8"?>
-<p:presentation xmlns:a="http://schemas.openxmlformats.org/drawingml/2006/main" xmlns:r="http://schemas.openxmlformats.org/officeDocument/2006/relationships" xmlns:p="http://schemas.openxmlformats.org/presentationml/2006/main" saveSubsetFonts="1" autoCompressPictures="0">
+<p:presentation xmlns:a="http://schemas.openxmlformats.org/drawingml/2006/main" xmlns:r="http://schemas.openxmlformats.org/officeDocument/2006/relationships" xmlns:p="http://schemas.openxmlformats.org/presentationml/2006/main" saveSubsetFonts="1">
   <p:sldMasterIdLst>
     <p:sldMasterId id="2147483672" r:id="rId1"/>
   </p:sldMasterIdLst>
   <p:sldIdLst>
-    <p:sldId id="256" r:id="rId2"/>
+    <p:sldId id="257" r:id="rId2"/>
   </p:sldIdLst>
   <p:sldSz cx="6858000" cy="9144000" type="letter"/>
   <p:notesSz cx="6858000" cy="9144000"/>
@@ -13,7 +13,7 @@
     <a:defPPr>
       <a:defRPr lang="en-US"/>
     </a:defPPr>
-    <a:lvl1pPr marL="0" algn="l" defTabSz="914400" rtl="0" eaLnBrk="1" latinLnBrk="0" hangingPunct="1">
+    <a:lvl1pPr marL="0" algn="l" defTabSz="457200" rtl="0" eaLnBrk="1" latinLnBrk="0" hangingPunct="1">
       <a:defRPr sz="1800" kern="1200">
         <a:solidFill>
           <a:schemeClr val="tx1"/>
@@ -23,7 +23,7 @@
         <a:cs typeface="+mn-cs"/>
       </a:defRPr>
     </a:lvl1pPr>
-    <a:lvl2pPr marL="457200" algn="l" defTabSz="914400" rtl="0" eaLnBrk="1" latinLnBrk="0" hangingPunct="1">
+    <a:lvl2pPr marL="457200" algn="l" defTabSz="457200" rtl="0" eaLnBrk="1" latinLnBrk="0" hangingPunct="1">
       <a:defRPr sz="1800" kern="1200">
         <a:solidFill>
           <a:schemeClr val="tx1"/>
@@ -33,7 +33,7 @@
         <a:cs typeface="+mn-cs"/>
       </a:defRPr>
     </a:lvl2pPr>
-    <a:lvl3pPr marL="914400" algn="l" defTabSz="914400" rtl="0" eaLnBrk="1" latinLnBrk="0" hangingPunct="1">
+    <a:lvl3pPr marL="914400" algn="l" defTabSz="457200" rtl="0" eaLnBrk="1" latinLnBrk="0" hangingPunct="1">
       <a:defRPr sz="1800" kern="1200">
         <a:solidFill>
           <a:schemeClr val="tx1"/>
@@ -43,7 +43,7 @@
         <a:cs typeface="+mn-cs"/>
       </a:defRPr>
     </a:lvl3pPr>
-    <a:lvl4pPr marL="1371600" algn="l" defTabSz="914400" rtl="0" eaLnBrk="1" latinLnBrk="0" hangingPunct="1">
+    <a:lvl4pPr marL="1371600" algn="l" defTabSz="457200" rtl="0" eaLnBrk="1" latinLnBrk="0" hangingPunct="1">
       <a:defRPr sz="1800" kern="1200">
         <a:solidFill>
           <a:schemeClr val="tx1"/>
@@ -53,7 +53,7 @@
         <a:cs typeface="+mn-cs"/>
       </a:defRPr>
     </a:lvl4pPr>
-    <a:lvl5pPr marL="1828800" algn="l" defTabSz="914400" rtl="0" eaLnBrk="1" latinLnBrk="0" hangingPunct="1">
+    <a:lvl5pPr marL="1828800" algn="l" defTabSz="457200" rtl="0" eaLnBrk="1" latinLnBrk="0" hangingPunct="1">
       <a:defRPr sz="1800" kern="1200">
         <a:solidFill>
           <a:schemeClr val="tx1"/>
@@ -63,7 +63,7 @@
         <a:cs typeface="+mn-cs"/>
       </a:defRPr>
     </a:lvl5pPr>
-    <a:lvl6pPr marL="2286000" algn="l" defTabSz="914400" rtl="0" eaLnBrk="1" latinLnBrk="0" hangingPunct="1">
+    <a:lvl6pPr marL="2286000" algn="l" defTabSz="457200" rtl="0" eaLnBrk="1" latinLnBrk="0" hangingPunct="1">
       <a:defRPr sz="1800" kern="1200">
         <a:solidFill>
           <a:schemeClr val="tx1"/>
@@ -73,7 +73,7 @@
         <a:cs typeface="+mn-cs"/>
       </a:defRPr>
     </a:lvl6pPr>
-    <a:lvl7pPr marL="2743200" algn="l" defTabSz="914400" rtl="0" eaLnBrk="1" latinLnBrk="0" hangingPunct="1">
+    <a:lvl7pPr marL="2743200" algn="l" defTabSz="457200" rtl="0" eaLnBrk="1" latinLnBrk="0" hangingPunct="1">
       <a:defRPr sz="1800" kern="1200">
         <a:solidFill>
           <a:schemeClr val="tx1"/>
@@ -83,7 +83,7 @@
         <a:cs typeface="+mn-cs"/>
       </a:defRPr>
     </a:lvl7pPr>
-    <a:lvl8pPr marL="3200400" algn="l" defTabSz="914400" rtl="0" eaLnBrk="1" latinLnBrk="0" hangingPunct="1">
+    <a:lvl8pPr marL="3200400" algn="l" defTabSz="457200" rtl="0" eaLnBrk="1" latinLnBrk="0" hangingPunct="1">
       <a:defRPr sz="1800" kern="1200">
         <a:solidFill>
           <a:schemeClr val="tx1"/>
@@ -93,7 +93,7 @@
         <a:cs typeface="+mn-cs"/>
       </a:defRPr>
     </a:lvl8pPr>
-    <a:lvl9pPr marL="3657600" algn="l" defTabSz="914400" rtl="0" eaLnBrk="1" latinLnBrk="0" hangingPunct="1">
+    <a:lvl9pPr marL="3657600" algn="l" defTabSz="457200" rtl="0" eaLnBrk="1" latinLnBrk="0" hangingPunct="1">
       <a:defRPr sz="1800" kern="1200">
         <a:solidFill>
           <a:schemeClr val="tx1"/>
@@ -107,12 +107,12 @@
   <p:extLst>
     <p:ext uri="{EFAFB233-063F-42B5-8137-9DF3F51BA10A}">
       <p15:sldGuideLst xmlns:p15="http://schemas.microsoft.com/office/powerpoint/2012/main">
-        <p15:guide id="1" pos="2183" userDrawn="1">
+        <p15:guide id="1" orient="horz" pos="2880" userDrawn="1">
           <p15:clr>
             <a:srgbClr val="A4A3A4"/>
           </p15:clr>
         </p15:guide>
-        <p15:guide id="2" orient="horz" pos="2880">
+        <p15:guide id="2" pos="2160" userDrawn="1">
           <p15:clr>
             <a:srgbClr val="A4A3A4"/>
           </p15:clr>
@@ -252,11 +252,11 @@
           <a:bodyPr/>
           <a:lstStyle/>
           <a:p>
-            <a:fld id="{B741A2BA-98EC-B742-8E2C-55D74891877C}" type="datetimeFigureOut">
-              <a:rPr lang="en-US" smtClean="0"/>
-              <a:t>1/11/21</a:t>
+            <a:fld id="{A26DE97F-AFF7-4B59-81AA-AFA009000480}" type="datetimeFigureOut">
+              <a:rPr lang="en-CA" smtClean="0"/>
+              <a:t>2021-01-14</a:t>
             </a:fld>
-            <a:endParaRPr lang="en-US"/>
+            <a:endParaRPr lang="en-CA"/>
           </a:p>
         </p:txBody>
       </p:sp>
@@ -275,7 +275,7 @@
           <a:bodyPr/>
           <a:lstStyle/>
           <a:p>
-            <a:endParaRPr lang="en-US"/>
+            <a:endParaRPr lang="en-CA"/>
           </a:p>
         </p:txBody>
       </p:sp>
@@ -294,18 +294,18 @@
           <a:bodyPr/>
           <a:lstStyle/>
           <a:p>
-            <a:fld id="{BC62D2FB-0838-9F4C-B75A-971792C17E5B}" type="slidenum">
-              <a:rPr lang="en-US" smtClean="0"/>
+            <a:fld id="{3C9AF2FA-8CD3-435D-BF40-EE13EC5A3223}" type="slidenum">
+              <a:rPr lang="en-CA" smtClean="0"/>
               <a:t>‹#›</a:t>
             </a:fld>
-            <a:endParaRPr lang="en-US"/>
+            <a:endParaRPr lang="en-CA"/>
           </a:p>
         </p:txBody>
       </p:sp>
     </p:spTree>
     <p:extLst>
       <p:ext uri="{BB962C8B-B14F-4D97-AF65-F5344CB8AC3E}">
-        <p14:creationId xmlns:p14="http://schemas.microsoft.com/office/powerpoint/2010/main" val="2911671536"/>
+        <p14:creationId xmlns:p14="http://schemas.microsoft.com/office/powerpoint/2010/main" val="146485537"/>
       </p:ext>
     </p:extLst>
   </p:cSld>
@@ -373,7 +373,7 @@
             <a:pPr lvl="0"/>
             <a:r>
               <a:rPr lang="en-US"/>
-              <a:t>Edit Master text styles</a:t>
+              <a:t>Click to edit Master text styles</a:t>
             </a:r>
           </a:p>
           <a:p>
@@ -422,11 +422,11 @@
           <a:bodyPr/>
           <a:lstStyle/>
           <a:p>
-            <a:fld id="{B741A2BA-98EC-B742-8E2C-55D74891877C}" type="datetimeFigureOut">
-              <a:rPr lang="en-US" smtClean="0"/>
-              <a:t>1/11/21</a:t>
+            <a:fld id="{A26DE97F-AFF7-4B59-81AA-AFA009000480}" type="datetimeFigureOut">
+              <a:rPr lang="en-CA" smtClean="0"/>
+              <a:t>2021-01-14</a:t>
             </a:fld>
-            <a:endParaRPr lang="en-US"/>
+            <a:endParaRPr lang="en-CA"/>
           </a:p>
         </p:txBody>
       </p:sp>
@@ -445,7 +445,7 @@
           <a:bodyPr/>
           <a:lstStyle/>
           <a:p>
-            <a:endParaRPr lang="en-US"/>
+            <a:endParaRPr lang="en-CA"/>
           </a:p>
         </p:txBody>
       </p:sp>
@@ -464,18 +464,18 @@
           <a:bodyPr/>
           <a:lstStyle/>
           <a:p>
-            <a:fld id="{BC62D2FB-0838-9F4C-B75A-971792C17E5B}" type="slidenum">
-              <a:rPr lang="en-US" smtClean="0"/>
+            <a:fld id="{3C9AF2FA-8CD3-435D-BF40-EE13EC5A3223}" type="slidenum">
+              <a:rPr lang="en-CA" smtClean="0"/>
               <a:t>‹#›</a:t>
             </a:fld>
-            <a:endParaRPr lang="en-US"/>
+            <a:endParaRPr lang="en-CA"/>
           </a:p>
         </p:txBody>
       </p:sp>
     </p:spTree>
     <p:extLst>
       <p:ext uri="{BB962C8B-B14F-4D97-AF65-F5344CB8AC3E}">
-        <p14:creationId xmlns:p14="http://schemas.microsoft.com/office/powerpoint/2010/main" val="625973586"/>
+        <p14:creationId xmlns:p14="http://schemas.microsoft.com/office/powerpoint/2010/main" val="2910687419"/>
       </p:ext>
     </p:extLst>
   </p:cSld>
@@ -553,7 +553,7 @@
             <a:pPr lvl="0"/>
             <a:r>
               <a:rPr lang="en-US"/>
-              <a:t>Edit Master text styles</a:t>
+              <a:t>Click to edit Master text styles</a:t>
             </a:r>
           </a:p>
           <a:p>
@@ -602,11 +602,11 @@
           <a:bodyPr/>
           <a:lstStyle/>
           <a:p>
-            <a:fld id="{B741A2BA-98EC-B742-8E2C-55D74891877C}" type="datetimeFigureOut">
-              <a:rPr lang="en-US" smtClean="0"/>
-              <a:t>1/11/21</a:t>
+            <a:fld id="{A26DE97F-AFF7-4B59-81AA-AFA009000480}" type="datetimeFigureOut">
+              <a:rPr lang="en-CA" smtClean="0"/>
+              <a:t>2021-01-14</a:t>
             </a:fld>
-            <a:endParaRPr lang="en-US"/>
+            <a:endParaRPr lang="en-CA"/>
           </a:p>
         </p:txBody>
       </p:sp>
@@ -625,7 +625,7 @@
           <a:bodyPr/>
           <a:lstStyle/>
           <a:p>
-            <a:endParaRPr lang="en-US"/>
+            <a:endParaRPr lang="en-CA"/>
           </a:p>
         </p:txBody>
       </p:sp>
@@ -644,18 +644,18 @@
           <a:bodyPr/>
           <a:lstStyle/>
           <a:p>
-            <a:fld id="{BC62D2FB-0838-9F4C-B75A-971792C17E5B}" type="slidenum">
-              <a:rPr lang="en-US" smtClean="0"/>
+            <a:fld id="{3C9AF2FA-8CD3-435D-BF40-EE13EC5A3223}" type="slidenum">
+              <a:rPr lang="en-CA" smtClean="0"/>
               <a:t>‹#›</a:t>
             </a:fld>
-            <a:endParaRPr lang="en-US"/>
+            <a:endParaRPr lang="en-CA"/>
           </a:p>
         </p:txBody>
       </p:sp>
     </p:spTree>
     <p:extLst>
       <p:ext uri="{BB962C8B-B14F-4D97-AF65-F5344CB8AC3E}">
-        <p14:creationId xmlns:p14="http://schemas.microsoft.com/office/powerpoint/2010/main" val="3755719240"/>
+        <p14:creationId xmlns:p14="http://schemas.microsoft.com/office/powerpoint/2010/main" val="1501749322"/>
       </p:ext>
     </p:extLst>
   </p:cSld>
@@ -723,7 +723,7 @@
             <a:pPr lvl="0"/>
             <a:r>
               <a:rPr lang="en-US"/>
-              <a:t>Edit Master text styles</a:t>
+              <a:t>Click to edit Master text styles</a:t>
             </a:r>
           </a:p>
           <a:p>
@@ -772,11 +772,11 @@
           <a:bodyPr/>
           <a:lstStyle/>
           <a:p>
-            <a:fld id="{B741A2BA-98EC-B742-8E2C-55D74891877C}" type="datetimeFigureOut">
-              <a:rPr lang="en-US" smtClean="0"/>
-              <a:t>1/11/21</a:t>
+            <a:fld id="{A26DE97F-AFF7-4B59-81AA-AFA009000480}" type="datetimeFigureOut">
+              <a:rPr lang="en-CA" smtClean="0"/>
+              <a:t>2021-01-14</a:t>
             </a:fld>
-            <a:endParaRPr lang="en-US"/>
+            <a:endParaRPr lang="en-CA"/>
           </a:p>
         </p:txBody>
       </p:sp>
@@ -795,7 +795,7 @@
           <a:bodyPr/>
           <a:lstStyle/>
           <a:p>
-            <a:endParaRPr lang="en-US"/>
+            <a:endParaRPr lang="en-CA"/>
           </a:p>
         </p:txBody>
       </p:sp>
@@ -814,18 +814,18 @@
           <a:bodyPr/>
           <a:lstStyle/>
           <a:p>
-            <a:fld id="{BC62D2FB-0838-9F4C-B75A-971792C17E5B}" type="slidenum">
-              <a:rPr lang="en-US" smtClean="0"/>
+            <a:fld id="{3C9AF2FA-8CD3-435D-BF40-EE13EC5A3223}" type="slidenum">
+              <a:rPr lang="en-CA" smtClean="0"/>
               <a:t>‹#›</a:t>
             </a:fld>
-            <a:endParaRPr lang="en-US"/>
+            <a:endParaRPr lang="en-CA"/>
           </a:p>
         </p:txBody>
       </p:sp>
     </p:spTree>
     <p:extLst>
       <p:ext uri="{BB962C8B-B14F-4D97-AF65-F5344CB8AC3E}">
-        <p14:creationId xmlns:p14="http://schemas.microsoft.com/office/powerpoint/2010/main" val="1082413249"/>
+        <p14:creationId xmlns:p14="http://schemas.microsoft.com/office/powerpoint/2010/main" val="3059440149"/>
       </p:ext>
     </p:extLst>
   </p:cSld>
@@ -996,7 +996,7 @@
             <a:pPr lvl="0"/>
             <a:r>
               <a:rPr lang="en-US"/>
-              <a:t>Edit Master text styles</a:t>
+              <a:t>Click to edit Master text styles</a:t>
             </a:r>
           </a:p>
         </p:txBody>
@@ -1016,11 +1016,11 @@
           <a:bodyPr/>
           <a:lstStyle/>
           <a:p>
-            <a:fld id="{B741A2BA-98EC-B742-8E2C-55D74891877C}" type="datetimeFigureOut">
-              <a:rPr lang="en-US" smtClean="0"/>
-              <a:t>1/11/21</a:t>
+            <a:fld id="{A26DE97F-AFF7-4B59-81AA-AFA009000480}" type="datetimeFigureOut">
+              <a:rPr lang="en-CA" smtClean="0"/>
+              <a:t>2021-01-14</a:t>
             </a:fld>
-            <a:endParaRPr lang="en-US"/>
+            <a:endParaRPr lang="en-CA"/>
           </a:p>
         </p:txBody>
       </p:sp>
@@ -1039,7 +1039,7 @@
           <a:bodyPr/>
           <a:lstStyle/>
           <a:p>
-            <a:endParaRPr lang="en-US"/>
+            <a:endParaRPr lang="en-CA"/>
           </a:p>
         </p:txBody>
       </p:sp>
@@ -1058,18 +1058,18 @@
           <a:bodyPr/>
           <a:lstStyle/>
           <a:p>
-            <a:fld id="{BC62D2FB-0838-9F4C-B75A-971792C17E5B}" type="slidenum">
-              <a:rPr lang="en-US" smtClean="0"/>
+            <a:fld id="{3C9AF2FA-8CD3-435D-BF40-EE13EC5A3223}" type="slidenum">
+              <a:rPr lang="en-CA" smtClean="0"/>
               <a:t>‹#›</a:t>
             </a:fld>
-            <a:endParaRPr lang="en-US"/>
+            <a:endParaRPr lang="en-CA"/>
           </a:p>
         </p:txBody>
       </p:sp>
     </p:spTree>
     <p:extLst>
       <p:ext uri="{BB962C8B-B14F-4D97-AF65-F5344CB8AC3E}">
-        <p14:creationId xmlns:p14="http://schemas.microsoft.com/office/powerpoint/2010/main" val="2777965667"/>
+        <p14:creationId xmlns:p14="http://schemas.microsoft.com/office/powerpoint/2010/main" val="776420295"/>
       </p:ext>
     </p:extLst>
   </p:cSld>
@@ -1142,7 +1142,7 @@
             <a:pPr lvl="0"/>
             <a:r>
               <a:rPr lang="en-US"/>
-              <a:t>Edit Master text styles</a:t>
+              <a:t>Click to edit Master text styles</a:t>
             </a:r>
           </a:p>
           <a:p>
@@ -1199,7 +1199,7 @@
             <a:pPr lvl="0"/>
             <a:r>
               <a:rPr lang="en-US"/>
-              <a:t>Edit Master text styles</a:t>
+              <a:t>Click to edit Master text styles</a:t>
             </a:r>
           </a:p>
           <a:p>
@@ -1248,11 +1248,11 @@
           <a:bodyPr/>
           <a:lstStyle/>
           <a:p>
-            <a:fld id="{B741A2BA-98EC-B742-8E2C-55D74891877C}" type="datetimeFigureOut">
-              <a:rPr lang="en-US" smtClean="0"/>
-              <a:t>1/11/21</a:t>
+            <a:fld id="{A26DE97F-AFF7-4B59-81AA-AFA009000480}" type="datetimeFigureOut">
+              <a:rPr lang="en-CA" smtClean="0"/>
+              <a:t>2021-01-14</a:t>
             </a:fld>
-            <a:endParaRPr lang="en-US"/>
+            <a:endParaRPr lang="en-CA"/>
           </a:p>
         </p:txBody>
       </p:sp>
@@ -1271,7 +1271,7 @@
           <a:bodyPr/>
           <a:lstStyle/>
           <a:p>
-            <a:endParaRPr lang="en-US"/>
+            <a:endParaRPr lang="en-CA"/>
           </a:p>
         </p:txBody>
       </p:sp>
@@ -1290,18 +1290,18 @@
           <a:bodyPr/>
           <a:lstStyle/>
           <a:p>
-            <a:fld id="{BC62D2FB-0838-9F4C-B75A-971792C17E5B}" type="slidenum">
-              <a:rPr lang="en-US" smtClean="0"/>
+            <a:fld id="{3C9AF2FA-8CD3-435D-BF40-EE13EC5A3223}" type="slidenum">
+              <a:rPr lang="en-CA" smtClean="0"/>
               <a:t>‹#›</a:t>
             </a:fld>
-            <a:endParaRPr lang="en-US"/>
+            <a:endParaRPr lang="en-CA"/>
           </a:p>
         </p:txBody>
       </p:sp>
     </p:spTree>
     <p:extLst>
       <p:ext uri="{BB962C8B-B14F-4D97-AF65-F5344CB8AC3E}">
-        <p14:creationId xmlns:p14="http://schemas.microsoft.com/office/powerpoint/2010/main" val="1971824991"/>
+        <p14:creationId xmlns:p14="http://schemas.microsoft.com/office/powerpoint/2010/main" val="775813073"/>
       </p:ext>
     </p:extLst>
   </p:cSld>
@@ -1416,7 +1416,7 @@
             <a:pPr lvl="0"/>
             <a:r>
               <a:rPr lang="en-US"/>
-              <a:t>Edit Master text styles</a:t>
+              <a:t>Click to edit Master text styles</a:t>
             </a:r>
           </a:p>
         </p:txBody>
@@ -1444,7 +1444,7 @@
             <a:pPr lvl="0"/>
             <a:r>
               <a:rPr lang="en-US"/>
-              <a:t>Edit Master text styles</a:t>
+              <a:t>Click to edit Master text styles</a:t>
             </a:r>
           </a:p>
           <a:p>
@@ -1538,7 +1538,7 @@
             <a:pPr lvl="0"/>
             <a:r>
               <a:rPr lang="en-US"/>
-              <a:t>Edit Master text styles</a:t>
+              <a:t>Click to edit Master text styles</a:t>
             </a:r>
           </a:p>
         </p:txBody>
@@ -1566,7 +1566,7 @@
             <a:pPr lvl="0"/>
             <a:r>
               <a:rPr lang="en-US"/>
-              <a:t>Edit Master text styles</a:t>
+              <a:t>Click to edit Master text styles</a:t>
             </a:r>
           </a:p>
           <a:p>
@@ -1615,11 +1615,11 @@
           <a:bodyPr/>
           <a:lstStyle/>
           <a:p>
-            <a:fld id="{B741A2BA-98EC-B742-8E2C-55D74891877C}" type="datetimeFigureOut">
-              <a:rPr lang="en-US" smtClean="0"/>
-              <a:t>1/11/21</a:t>
+            <a:fld id="{A26DE97F-AFF7-4B59-81AA-AFA009000480}" type="datetimeFigureOut">
+              <a:rPr lang="en-CA" smtClean="0"/>
+              <a:t>2021-01-14</a:t>
             </a:fld>
-            <a:endParaRPr lang="en-US"/>
+            <a:endParaRPr lang="en-CA"/>
           </a:p>
         </p:txBody>
       </p:sp>
@@ -1638,7 +1638,7 @@
           <a:bodyPr/>
           <a:lstStyle/>
           <a:p>
-            <a:endParaRPr lang="en-US"/>
+            <a:endParaRPr lang="en-CA"/>
           </a:p>
         </p:txBody>
       </p:sp>
@@ -1657,18 +1657,18 @@
           <a:bodyPr/>
           <a:lstStyle/>
           <a:p>
-            <a:fld id="{BC62D2FB-0838-9F4C-B75A-971792C17E5B}" type="slidenum">
-              <a:rPr lang="en-US" smtClean="0"/>
+            <a:fld id="{3C9AF2FA-8CD3-435D-BF40-EE13EC5A3223}" type="slidenum">
+              <a:rPr lang="en-CA" smtClean="0"/>
               <a:t>‹#›</a:t>
             </a:fld>
-            <a:endParaRPr lang="en-US"/>
+            <a:endParaRPr lang="en-CA"/>
           </a:p>
         </p:txBody>
       </p:sp>
     </p:spTree>
     <p:extLst>
       <p:ext uri="{BB962C8B-B14F-4D97-AF65-F5344CB8AC3E}">
-        <p14:creationId xmlns:p14="http://schemas.microsoft.com/office/powerpoint/2010/main" val="1838723048"/>
+        <p14:creationId xmlns:p14="http://schemas.microsoft.com/office/powerpoint/2010/main" val="841843454"/>
       </p:ext>
     </p:extLst>
   </p:cSld>
@@ -1733,11 +1733,11 @@
           <a:bodyPr/>
           <a:lstStyle/>
           <a:p>
-            <a:fld id="{B741A2BA-98EC-B742-8E2C-55D74891877C}" type="datetimeFigureOut">
-              <a:rPr lang="en-US" smtClean="0"/>
-              <a:t>1/11/21</a:t>
+            <a:fld id="{A26DE97F-AFF7-4B59-81AA-AFA009000480}" type="datetimeFigureOut">
+              <a:rPr lang="en-CA" smtClean="0"/>
+              <a:t>2021-01-14</a:t>
             </a:fld>
-            <a:endParaRPr lang="en-US"/>
+            <a:endParaRPr lang="en-CA"/>
           </a:p>
         </p:txBody>
       </p:sp>
@@ -1756,7 +1756,7 @@
           <a:bodyPr/>
           <a:lstStyle/>
           <a:p>
-            <a:endParaRPr lang="en-US"/>
+            <a:endParaRPr lang="en-CA"/>
           </a:p>
         </p:txBody>
       </p:sp>
@@ -1775,18 +1775,18 @@
           <a:bodyPr/>
           <a:lstStyle/>
           <a:p>
-            <a:fld id="{BC62D2FB-0838-9F4C-B75A-971792C17E5B}" type="slidenum">
-              <a:rPr lang="en-US" smtClean="0"/>
+            <a:fld id="{3C9AF2FA-8CD3-435D-BF40-EE13EC5A3223}" type="slidenum">
+              <a:rPr lang="en-CA" smtClean="0"/>
               <a:t>‹#›</a:t>
             </a:fld>
-            <a:endParaRPr lang="en-US"/>
+            <a:endParaRPr lang="en-CA"/>
           </a:p>
         </p:txBody>
       </p:sp>
     </p:spTree>
     <p:extLst>
       <p:ext uri="{BB962C8B-B14F-4D97-AF65-F5344CB8AC3E}">
-        <p14:creationId xmlns:p14="http://schemas.microsoft.com/office/powerpoint/2010/main" val="1334255030"/>
+        <p14:creationId xmlns:p14="http://schemas.microsoft.com/office/powerpoint/2010/main" val="3928547485"/>
       </p:ext>
     </p:extLst>
   </p:cSld>
@@ -1828,11 +1828,11 @@
           <a:bodyPr/>
           <a:lstStyle/>
           <a:p>
-            <a:fld id="{B741A2BA-98EC-B742-8E2C-55D74891877C}" type="datetimeFigureOut">
-              <a:rPr lang="en-US" smtClean="0"/>
-              <a:t>1/11/21</a:t>
+            <a:fld id="{A26DE97F-AFF7-4B59-81AA-AFA009000480}" type="datetimeFigureOut">
+              <a:rPr lang="en-CA" smtClean="0"/>
+              <a:t>2021-01-14</a:t>
             </a:fld>
-            <a:endParaRPr lang="en-US"/>
+            <a:endParaRPr lang="en-CA"/>
           </a:p>
         </p:txBody>
       </p:sp>
@@ -1851,7 +1851,7 @@
           <a:bodyPr/>
           <a:lstStyle/>
           <a:p>
-            <a:endParaRPr lang="en-US"/>
+            <a:endParaRPr lang="en-CA"/>
           </a:p>
         </p:txBody>
       </p:sp>
@@ -1870,18 +1870,18 @@
           <a:bodyPr/>
           <a:lstStyle/>
           <a:p>
-            <a:fld id="{BC62D2FB-0838-9F4C-B75A-971792C17E5B}" type="slidenum">
-              <a:rPr lang="en-US" smtClean="0"/>
+            <a:fld id="{3C9AF2FA-8CD3-435D-BF40-EE13EC5A3223}" type="slidenum">
+              <a:rPr lang="en-CA" smtClean="0"/>
               <a:t>‹#›</a:t>
             </a:fld>
-            <a:endParaRPr lang="en-US"/>
+            <a:endParaRPr lang="en-CA"/>
           </a:p>
         </p:txBody>
       </p:sp>
     </p:spTree>
     <p:extLst>
       <p:ext uri="{BB962C8B-B14F-4D97-AF65-F5344CB8AC3E}">
-        <p14:creationId xmlns:p14="http://schemas.microsoft.com/office/powerpoint/2010/main" val="1024378233"/>
+        <p14:creationId xmlns:p14="http://schemas.microsoft.com/office/powerpoint/2010/main" val="38662921"/>
       </p:ext>
     </p:extLst>
   </p:cSld>
@@ -1991,7 +1991,7 @@
             <a:pPr lvl="0"/>
             <a:r>
               <a:rPr lang="en-US"/>
-              <a:t>Edit Master text styles</a:t>
+              <a:t>Click to edit Master text styles</a:t>
             </a:r>
           </a:p>
           <a:p>
@@ -2085,7 +2085,7 @@
             <a:pPr lvl="0"/>
             <a:r>
               <a:rPr lang="en-US"/>
-              <a:t>Edit Master text styles</a:t>
+              <a:t>Click to edit Master text styles</a:t>
             </a:r>
           </a:p>
         </p:txBody>
@@ -2105,11 +2105,11 @@
           <a:bodyPr/>
           <a:lstStyle/>
           <a:p>
-            <a:fld id="{B741A2BA-98EC-B742-8E2C-55D74891877C}" type="datetimeFigureOut">
-              <a:rPr lang="en-US" smtClean="0"/>
-              <a:t>1/11/21</a:t>
+            <a:fld id="{A26DE97F-AFF7-4B59-81AA-AFA009000480}" type="datetimeFigureOut">
+              <a:rPr lang="en-CA" smtClean="0"/>
+              <a:t>2021-01-14</a:t>
             </a:fld>
-            <a:endParaRPr lang="en-US"/>
+            <a:endParaRPr lang="en-CA"/>
           </a:p>
         </p:txBody>
       </p:sp>
@@ -2128,7 +2128,7 @@
           <a:bodyPr/>
           <a:lstStyle/>
           <a:p>
-            <a:endParaRPr lang="en-US"/>
+            <a:endParaRPr lang="en-CA"/>
           </a:p>
         </p:txBody>
       </p:sp>
@@ -2147,18 +2147,18 @@
           <a:bodyPr/>
           <a:lstStyle/>
           <a:p>
-            <a:fld id="{BC62D2FB-0838-9F4C-B75A-971792C17E5B}" type="slidenum">
-              <a:rPr lang="en-US" smtClean="0"/>
+            <a:fld id="{3C9AF2FA-8CD3-435D-BF40-EE13EC5A3223}" type="slidenum">
+              <a:rPr lang="en-CA" smtClean="0"/>
               <a:t>‹#›</a:t>
             </a:fld>
-            <a:endParaRPr lang="en-US"/>
+            <a:endParaRPr lang="en-CA"/>
           </a:p>
         </p:txBody>
       </p:sp>
     </p:spTree>
     <p:extLst>
       <p:ext uri="{BB962C8B-B14F-4D97-AF65-F5344CB8AC3E}">
-        <p14:creationId xmlns:p14="http://schemas.microsoft.com/office/powerpoint/2010/main" val="986201002"/>
+        <p14:creationId xmlns:p14="http://schemas.microsoft.com/office/powerpoint/2010/main" val="3079621613"/>
       </p:ext>
     </p:extLst>
   </p:cSld>
@@ -2342,7 +2342,7 @@
             <a:pPr lvl="0"/>
             <a:r>
               <a:rPr lang="en-US"/>
-              <a:t>Edit Master text styles</a:t>
+              <a:t>Click to edit Master text styles</a:t>
             </a:r>
           </a:p>
         </p:txBody>
@@ -2362,11 +2362,11 @@
           <a:bodyPr/>
           <a:lstStyle/>
           <a:p>
-            <a:fld id="{B741A2BA-98EC-B742-8E2C-55D74891877C}" type="datetimeFigureOut">
-              <a:rPr lang="en-US" smtClean="0"/>
-              <a:t>1/11/21</a:t>
+            <a:fld id="{A26DE97F-AFF7-4B59-81AA-AFA009000480}" type="datetimeFigureOut">
+              <a:rPr lang="en-CA" smtClean="0"/>
+              <a:t>2021-01-14</a:t>
             </a:fld>
-            <a:endParaRPr lang="en-US"/>
+            <a:endParaRPr lang="en-CA"/>
           </a:p>
         </p:txBody>
       </p:sp>
@@ -2385,7 +2385,7 @@
           <a:bodyPr/>
           <a:lstStyle/>
           <a:p>
-            <a:endParaRPr lang="en-US"/>
+            <a:endParaRPr lang="en-CA"/>
           </a:p>
         </p:txBody>
       </p:sp>
@@ -2404,18 +2404,18 @@
           <a:bodyPr/>
           <a:lstStyle/>
           <a:p>
-            <a:fld id="{BC62D2FB-0838-9F4C-B75A-971792C17E5B}" type="slidenum">
-              <a:rPr lang="en-US" smtClean="0"/>
+            <a:fld id="{3C9AF2FA-8CD3-435D-BF40-EE13EC5A3223}" type="slidenum">
+              <a:rPr lang="en-CA" smtClean="0"/>
               <a:t>‹#›</a:t>
             </a:fld>
-            <a:endParaRPr lang="en-US"/>
+            <a:endParaRPr lang="en-CA"/>
           </a:p>
         </p:txBody>
       </p:sp>
     </p:spTree>
     <p:extLst>
       <p:ext uri="{BB962C8B-B14F-4D97-AF65-F5344CB8AC3E}">
-        <p14:creationId xmlns:p14="http://schemas.microsoft.com/office/powerpoint/2010/main" val="3747662628"/>
+        <p14:creationId xmlns:p14="http://schemas.microsoft.com/office/powerpoint/2010/main" val="1376992559"/>
       </p:ext>
     </p:extLst>
   </p:cSld>
@@ -2508,7 +2508,7 @@
             <a:pPr lvl="0"/>
             <a:r>
               <a:rPr lang="en-US"/>
-              <a:t>Edit Master text styles</a:t>
+              <a:t>Click to edit Master text styles</a:t>
             </a:r>
           </a:p>
           <a:p>
@@ -2575,11 +2575,11 @@
             </a:lvl1pPr>
           </a:lstStyle>
           <a:p>
-            <a:fld id="{B741A2BA-98EC-B742-8E2C-55D74891877C}" type="datetimeFigureOut">
-              <a:rPr lang="en-US" smtClean="0"/>
-              <a:t>1/11/21</a:t>
+            <a:fld id="{A26DE97F-AFF7-4B59-81AA-AFA009000480}" type="datetimeFigureOut">
+              <a:rPr lang="en-CA" smtClean="0"/>
+              <a:t>2021-01-14</a:t>
             </a:fld>
-            <a:endParaRPr lang="en-US"/>
+            <a:endParaRPr lang="en-CA"/>
           </a:p>
         </p:txBody>
       </p:sp>
@@ -2616,7 +2616,7 @@
             </a:lvl1pPr>
           </a:lstStyle>
           <a:p>
-            <a:endParaRPr lang="en-US"/>
+            <a:endParaRPr lang="en-CA"/>
           </a:p>
         </p:txBody>
       </p:sp>
@@ -2653,18 +2653,18 @@
             </a:lvl1pPr>
           </a:lstStyle>
           <a:p>
-            <a:fld id="{BC62D2FB-0838-9F4C-B75A-971792C17E5B}" type="slidenum">
-              <a:rPr lang="en-US" smtClean="0"/>
+            <a:fld id="{3C9AF2FA-8CD3-435D-BF40-EE13EC5A3223}" type="slidenum">
+              <a:rPr lang="en-CA" smtClean="0"/>
               <a:t>‹#›</a:t>
             </a:fld>
-            <a:endParaRPr lang="en-US"/>
+            <a:endParaRPr lang="en-CA"/>
           </a:p>
         </p:txBody>
       </p:sp>
     </p:spTree>
     <p:extLst>
       <p:ext uri="{BB962C8B-B14F-4D97-AF65-F5344CB8AC3E}">
-        <p14:creationId xmlns:p14="http://schemas.microsoft.com/office/powerpoint/2010/main" val="831789568"/>
+        <p14:creationId xmlns:p14="http://schemas.microsoft.com/office/powerpoint/2010/main" val="634827991"/>
       </p:ext>
     </p:extLst>
   </p:cSld>
@@ -2982,1200 +2982,802 @@
           <a:chExt cx="0" cy="0"/>
         </a:xfrm>
       </p:grpSpPr>
-      <p:grpSp>
-        <p:nvGrpSpPr>
-          <p:cNvPr id="55" name="Group 54">
+      <p:sp>
+        <p:nvSpPr>
+          <p:cNvPr id="4" name="Rectangle: Rounded Corners 3">
             <a:extLst>
               <a:ext uri="{FF2B5EF4-FFF2-40B4-BE49-F238E27FC236}">
-                <a16:creationId xmlns:a16="http://schemas.microsoft.com/office/drawing/2014/main" id="{4F51705C-3E1E-2546-9AC9-E2A591F21983}"/>
+                <a16:creationId xmlns:a16="http://schemas.microsoft.com/office/drawing/2014/main" id="{E2D5933A-6A41-457A-8542-0879E8A00E37}"/>
               </a:ext>
             </a:extLst>
           </p:cNvPr>
-          <p:cNvGrpSpPr/>
+          <p:cNvSpPr/>
           <p:nvPr/>
-        </p:nvGrpSpPr>
-        <p:grpSpPr>
+        </p:nvSpPr>
+        <p:spPr>
           <a:xfrm>
-            <a:off x="3465513" y="1598339"/>
-            <a:ext cx="1012196" cy="600164"/>
-            <a:chOff x="3454012" y="1323833"/>
-            <a:chExt cx="1012196" cy="600164"/>
+            <a:off x="61690" y="363689"/>
+            <a:ext cx="771276" cy="592469"/>
           </a:xfrm>
-        </p:grpSpPr>
-        <p:sp>
-          <p:nvSpPr>
-            <p:cNvPr id="21" name="Rounded Rectangle 20">
-              <a:extLst>
-                <a:ext uri="{FF2B5EF4-FFF2-40B4-BE49-F238E27FC236}">
-                  <a16:creationId xmlns:a16="http://schemas.microsoft.com/office/drawing/2014/main" id="{68579C32-6C5F-9D4A-9967-E71277A777B9}"/>
-                </a:ext>
-              </a:extLst>
-            </p:cNvPr>
-            <p:cNvSpPr/>
-            <p:nvPr/>
-          </p:nvSpPr>
-          <p:spPr>
-            <a:xfrm>
-              <a:off x="3454012" y="1323833"/>
-              <a:ext cx="1012196" cy="574348"/>
-            </a:xfrm>
-            <a:prstGeom prst="roundRect">
-              <a:avLst/>
-            </a:prstGeom>
-            <a:noFill/>
-            <a:ln>
+          <a:prstGeom prst="roundRect">
+            <a:avLst/>
+          </a:prstGeom>
+          <a:noFill/>
+          <a:ln>
+            <a:solidFill>
+              <a:schemeClr val="tx1"/>
+            </a:solidFill>
+          </a:ln>
+        </p:spPr>
+        <p:style>
+          <a:lnRef idx="2">
+            <a:schemeClr val="accent1">
+              <a:shade val="50000"/>
+            </a:schemeClr>
+          </a:lnRef>
+          <a:fillRef idx="1">
+            <a:schemeClr val="accent1"/>
+          </a:fillRef>
+          <a:effectRef idx="0">
+            <a:schemeClr val="accent1"/>
+          </a:effectRef>
+          <a:fontRef idx="minor">
+            <a:schemeClr val="lt1"/>
+          </a:fontRef>
+        </p:style>
+        <p:txBody>
+          <a:bodyPr rtlCol="0" anchor="ctr"/>
+          <a:lstStyle/>
+          <a:p>
+            <a:pPr algn="ctr"/>
+            <a:r>
+              <a:rPr lang="en-CA" sz="1100" dirty="0">
+                <a:solidFill>
+                  <a:schemeClr val="tx1"/>
+                </a:solidFill>
+                <a:latin typeface="Times New Roman" panose="02020603050405020304" pitchFamily="18" charset="0"/>
+                <a:cs typeface="Times New Roman" panose="02020603050405020304" pitchFamily="18" charset="0"/>
+              </a:rPr>
+              <a:t>ALE</a:t>
+            </a:r>
+          </a:p>
+          <a:p>
+            <a:pPr algn="ctr"/>
+            <a:r>
+              <a:rPr lang="en-CA" sz="1100" dirty="0">
+                <a:solidFill>
+                  <a:schemeClr val="tx1"/>
+                </a:solidFill>
+                <a:latin typeface="Times New Roman" panose="02020603050405020304" pitchFamily="18" charset="0"/>
+                <a:cs typeface="Times New Roman" panose="02020603050405020304" pitchFamily="18" charset="0"/>
+              </a:rPr>
+              <a:t>Citation</a:t>
+            </a:r>
+          </a:p>
+          <a:p>
+            <a:pPr algn="ctr"/>
+            <a:r>
+              <a:rPr lang="en-CA" sz="1100" b="1" dirty="0">
+                <a:solidFill>
+                  <a:schemeClr val="tx1"/>
+                </a:solidFill>
+                <a:latin typeface="Times New Roman" panose="02020603050405020304" pitchFamily="18" charset="0"/>
+                <a:cs typeface="Times New Roman" panose="02020603050405020304" pitchFamily="18" charset="0"/>
+              </a:rPr>
+              <a:t>(N=169)</a:t>
+            </a:r>
+          </a:p>
+        </p:txBody>
+      </p:sp>
+      <p:sp>
+        <p:nvSpPr>
+          <p:cNvPr id="5" name="Rectangle: Rounded Corners 4">
+            <a:extLst>
+              <a:ext uri="{FF2B5EF4-FFF2-40B4-BE49-F238E27FC236}">
+                <a16:creationId xmlns:a16="http://schemas.microsoft.com/office/drawing/2014/main" id="{F23C552A-51C6-4A3F-8498-F863092FA83A}"/>
+              </a:ext>
+            </a:extLst>
+          </p:cNvPr>
+          <p:cNvSpPr/>
+          <p:nvPr/>
+        </p:nvSpPr>
+        <p:spPr>
+          <a:xfrm>
+            <a:off x="1143066" y="363689"/>
+            <a:ext cx="771277" cy="592469"/>
+          </a:xfrm>
+          <a:prstGeom prst="roundRect">
+            <a:avLst/>
+          </a:prstGeom>
+          <a:noFill/>
+          <a:ln>
+            <a:solidFill>
+              <a:schemeClr val="tx1"/>
+            </a:solidFill>
+          </a:ln>
+        </p:spPr>
+        <p:style>
+          <a:lnRef idx="2">
+            <a:schemeClr val="accent1">
+              <a:shade val="50000"/>
+            </a:schemeClr>
+          </a:lnRef>
+          <a:fillRef idx="1">
+            <a:schemeClr val="accent1"/>
+          </a:fillRef>
+          <a:effectRef idx="0">
+            <a:schemeClr val="accent1"/>
+          </a:effectRef>
+          <a:fontRef idx="minor">
+            <a:schemeClr val="lt1"/>
+          </a:fontRef>
+        </p:style>
+        <p:txBody>
+          <a:bodyPr rtlCol="0" anchor="ctr"/>
+          <a:lstStyle/>
+          <a:p>
+            <a:pPr algn="ctr"/>
+            <a:r>
+              <a:rPr lang="en-CA" sz="1100" dirty="0" err="1">
+                <a:solidFill>
+                  <a:schemeClr val="tx1"/>
+                </a:solidFill>
+                <a:latin typeface="Times New Roman" panose="02020603050405020304" pitchFamily="18" charset="0"/>
+                <a:cs typeface="Times New Roman" panose="02020603050405020304" pitchFamily="18" charset="0"/>
+              </a:rPr>
+              <a:t>Breseq</a:t>
+            </a:r>
+            <a:endParaRPr lang="en-CA" sz="1100" dirty="0">
               <a:solidFill>
                 <a:schemeClr val="tx1"/>
               </a:solidFill>
-            </a:ln>
-          </p:spPr>
-          <p:style>
-            <a:lnRef idx="2">
-              <a:schemeClr val="accent1">
-                <a:shade val="50000"/>
-              </a:schemeClr>
-            </a:lnRef>
-            <a:fillRef idx="1">
-              <a:schemeClr val="accent1"/>
-            </a:fillRef>
-            <a:effectRef idx="0">
-              <a:schemeClr val="accent1"/>
-            </a:effectRef>
-            <a:fontRef idx="minor">
-              <a:schemeClr val="lt1"/>
-            </a:fontRef>
-          </p:style>
-          <p:txBody>
-            <a:bodyPr rtlCol="0" anchor="ctr"/>
-            <a:lstStyle/>
-            <a:p>
-              <a:pPr algn="ctr"/>
-              <a:endParaRPr lang="en-US"/>
-            </a:p>
-          </p:txBody>
-        </p:sp>
-        <p:sp>
-          <p:nvSpPr>
-            <p:cNvPr id="28" name="TextBox 27">
-              <a:extLst>
-                <a:ext uri="{FF2B5EF4-FFF2-40B4-BE49-F238E27FC236}">
-                  <a16:creationId xmlns:a16="http://schemas.microsoft.com/office/drawing/2014/main" id="{9E716C46-2DC5-1A4C-BC91-57471E8C41D4}"/>
-                </a:ext>
-              </a:extLst>
-            </p:cNvPr>
-            <p:cNvSpPr txBox="1"/>
-            <p:nvPr/>
-          </p:nvSpPr>
-          <p:spPr>
-            <a:xfrm>
-              <a:off x="3521686" y="1323833"/>
-              <a:ext cx="876847" cy="600164"/>
-            </a:xfrm>
-            <a:prstGeom prst="rect">
-              <a:avLst/>
-            </a:prstGeom>
-            <a:noFill/>
-          </p:spPr>
-          <p:txBody>
-            <a:bodyPr wrap="square" rtlCol="0">
-              <a:spAutoFit/>
-            </a:bodyPr>
-            <a:lstStyle/>
-            <a:p>
-              <a:pPr algn="ctr"/>
-              <a:r>
-                <a:rPr lang="en-US" sz="1100" dirty="0"/>
-                <a:t>ALE citations</a:t>
-              </a:r>
-            </a:p>
-            <a:p>
-              <a:pPr algn="ctr"/>
-              <a:r>
-                <a:rPr lang="en-US" sz="1100" b="1" dirty="0"/>
-                <a:t>(N = 169)</a:t>
-              </a:r>
-            </a:p>
-          </p:txBody>
-        </p:sp>
-      </p:grpSp>
-      <p:grpSp>
-        <p:nvGrpSpPr>
-          <p:cNvPr id="56" name="Group 55">
+              <a:latin typeface="Times New Roman" panose="02020603050405020304" pitchFamily="18" charset="0"/>
+              <a:cs typeface="Times New Roman" panose="02020603050405020304" pitchFamily="18" charset="0"/>
+            </a:endParaRPr>
+          </a:p>
+          <a:p>
+            <a:pPr algn="ctr"/>
+            <a:r>
+              <a:rPr lang="en-CA" sz="1100" b="1" dirty="0">
+                <a:solidFill>
+                  <a:schemeClr val="tx1"/>
+                </a:solidFill>
+                <a:latin typeface="Times New Roman" panose="02020603050405020304" pitchFamily="18" charset="0"/>
+                <a:cs typeface="Times New Roman" panose="02020603050405020304" pitchFamily="18" charset="0"/>
+              </a:rPr>
+              <a:t>(N=278)</a:t>
+            </a:r>
+          </a:p>
+        </p:txBody>
+      </p:sp>
+      <p:sp>
+        <p:nvSpPr>
+          <p:cNvPr id="6" name="Rectangle: Rounded Corners 5">
             <a:extLst>
               <a:ext uri="{FF2B5EF4-FFF2-40B4-BE49-F238E27FC236}">
-                <a16:creationId xmlns:a16="http://schemas.microsoft.com/office/drawing/2014/main" id="{5B862689-1788-E24E-B072-0E252629E74B}"/>
+                <a16:creationId xmlns:a16="http://schemas.microsoft.com/office/drawing/2014/main" id="{247EA3B6-B8DF-40F0-A0AA-A2C4A7470B86}"/>
               </a:ext>
             </a:extLst>
           </p:cNvPr>
-          <p:cNvGrpSpPr/>
+          <p:cNvSpPr/>
           <p:nvPr/>
-        </p:nvGrpSpPr>
-        <p:grpSpPr>
+        </p:nvSpPr>
+        <p:spPr>
           <a:xfrm>
-            <a:off x="4741459" y="1598339"/>
-            <a:ext cx="1012196" cy="574348"/>
-            <a:chOff x="4763061" y="1323833"/>
-            <a:chExt cx="1012196" cy="574348"/>
+            <a:off x="270345" y="1280062"/>
+            <a:ext cx="1411488" cy="592469"/>
           </a:xfrm>
-        </p:grpSpPr>
-        <p:sp>
-          <p:nvSpPr>
-            <p:cNvPr id="27" name="Rounded Rectangle 26">
-              <a:extLst>
-                <a:ext uri="{FF2B5EF4-FFF2-40B4-BE49-F238E27FC236}">
-                  <a16:creationId xmlns:a16="http://schemas.microsoft.com/office/drawing/2014/main" id="{2CAAB2BB-A624-2E4C-A0B2-4E8DF29A0CEE}"/>
-                </a:ext>
-              </a:extLst>
-            </p:cNvPr>
-            <p:cNvSpPr/>
-            <p:nvPr/>
-          </p:nvSpPr>
-          <p:spPr>
-            <a:xfrm>
-              <a:off x="4763061" y="1323833"/>
-              <a:ext cx="1012196" cy="574348"/>
-            </a:xfrm>
-            <a:prstGeom prst="roundRect">
-              <a:avLst/>
-            </a:prstGeom>
-            <a:noFill/>
-            <a:ln>
-              <a:solidFill>
-                <a:schemeClr val="tx1"/>
-              </a:solidFill>
-            </a:ln>
-          </p:spPr>
-          <p:style>
-            <a:lnRef idx="2">
-              <a:schemeClr val="accent1">
-                <a:shade val="50000"/>
-              </a:schemeClr>
-            </a:lnRef>
-            <a:fillRef idx="1">
-              <a:schemeClr val="accent1"/>
-            </a:fillRef>
-            <a:effectRef idx="0">
-              <a:schemeClr val="accent1"/>
-            </a:effectRef>
-            <a:fontRef idx="minor">
-              <a:schemeClr val="lt1"/>
-            </a:fontRef>
-          </p:style>
-          <p:txBody>
-            <a:bodyPr rtlCol="0" anchor="ctr"/>
-            <a:lstStyle/>
-            <a:p>
-              <a:pPr algn="ctr"/>
-              <a:endParaRPr lang="en-US"/>
-            </a:p>
-          </p:txBody>
-        </p:sp>
-        <p:sp>
-          <p:nvSpPr>
-            <p:cNvPr id="29" name="TextBox 28">
-              <a:extLst>
-                <a:ext uri="{FF2B5EF4-FFF2-40B4-BE49-F238E27FC236}">
-                  <a16:creationId xmlns:a16="http://schemas.microsoft.com/office/drawing/2014/main" id="{0823CB14-EFDE-4441-8CD2-88C3097E9916}"/>
-                </a:ext>
-              </a:extLst>
-            </p:cNvPr>
-            <p:cNvSpPr txBox="1"/>
-            <p:nvPr/>
-          </p:nvSpPr>
-          <p:spPr>
-            <a:xfrm>
-              <a:off x="4810832" y="1391708"/>
-              <a:ext cx="916654" cy="430887"/>
-            </a:xfrm>
-            <a:prstGeom prst="rect">
-              <a:avLst/>
-            </a:prstGeom>
-            <a:noFill/>
-          </p:spPr>
-          <p:txBody>
-            <a:bodyPr wrap="square" rtlCol="0">
-              <a:spAutoFit/>
-            </a:bodyPr>
-            <a:lstStyle/>
-            <a:p>
-              <a:pPr algn="ctr"/>
-              <a:r>
-                <a:rPr lang="en-US" sz="1100" dirty="0"/>
-                <a:t>Breseq</a:t>
-              </a:r>
-            </a:p>
-            <a:p>
-              <a:pPr algn="ctr"/>
-              <a:r>
-                <a:rPr lang="en-US" sz="1100" b="1" dirty="0"/>
-                <a:t>(N = 278)</a:t>
-              </a:r>
-            </a:p>
-          </p:txBody>
-        </p:sp>
-      </p:grpSp>
-      <p:grpSp>
-        <p:nvGrpSpPr>
-          <p:cNvPr id="49" name="Group 48">
+          <a:prstGeom prst="roundRect">
+            <a:avLst/>
+          </a:prstGeom>
+          <a:noFill/>
+          <a:ln>
+            <a:solidFill>
+              <a:schemeClr val="tx1"/>
+            </a:solidFill>
+          </a:ln>
+        </p:spPr>
+        <p:style>
+          <a:lnRef idx="2">
+            <a:schemeClr val="accent1">
+              <a:shade val="50000"/>
+            </a:schemeClr>
+          </a:lnRef>
+          <a:fillRef idx="1">
+            <a:schemeClr val="accent1"/>
+          </a:fillRef>
+          <a:effectRef idx="0">
+            <a:schemeClr val="accent1"/>
+          </a:effectRef>
+          <a:fontRef idx="minor">
+            <a:schemeClr val="lt1"/>
+          </a:fontRef>
+        </p:style>
+        <p:txBody>
+          <a:bodyPr rtlCol="0" anchor="ctr"/>
+          <a:lstStyle/>
+          <a:p>
+            <a:pPr algn="ctr"/>
+            <a:r>
+              <a:rPr lang="en-CA" sz="1100" dirty="0">
+                <a:solidFill>
+                  <a:schemeClr val="tx1"/>
+                </a:solidFill>
+                <a:latin typeface="Times New Roman" panose="02020603050405020304" pitchFamily="18" charset="0"/>
+                <a:cs typeface="Times New Roman" panose="02020603050405020304" pitchFamily="18" charset="0"/>
+              </a:rPr>
+              <a:t>Papers collected</a:t>
+            </a:r>
+          </a:p>
+          <a:p>
+            <a:pPr algn="ctr"/>
+            <a:r>
+              <a:rPr lang="en-CA" sz="1100" dirty="0">
+                <a:solidFill>
+                  <a:schemeClr val="tx1"/>
+                </a:solidFill>
+                <a:latin typeface="Times New Roman" panose="02020603050405020304" pitchFamily="18" charset="0"/>
+                <a:cs typeface="Times New Roman" panose="02020603050405020304" pitchFamily="18" charset="0"/>
+              </a:rPr>
+              <a:t>(N=447)</a:t>
+            </a:r>
+          </a:p>
+        </p:txBody>
+      </p:sp>
+      <p:sp>
+        <p:nvSpPr>
+          <p:cNvPr id="7" name="Rectangle: Rounded Corners 6">
             <a:extLst>
               <a:ext uri="{FF2B5EF4-FFF2-40B4-BE49-F238E27FC236}">
-                <a16:creationId xmlns:a16="http://schemas.microsoft.com/office/drawing/2014/main" id="{094CCE9F-EDE5-2E4F-B376-4A663654BE40}"/>
+                <a16:creationId xmlns:a16="http://schemas.microsoft.com/office/drawing/2014/main" id="{39CAC52D-FF73-4FE9-AC31-FADCCFFDEC82}"/>
               </a:ext>
             </a:extLst>
           </p:cNvPr>
-          <p:cNvGrpSpPr/>
+          <p:cNvSpPr/>
           <p:nvPr/>
-        </p:nvGrpSpPr>
-        <p:grpSpPr>
+        </p:nvSpPr>
+        <p:spPr>
           <a:xfrm>
-            <a:off x="3796562" y="2527915"/>
-            <a:ext cx="1420515" cy="635742"/>
-            <a:chOff x="3980244" y="2269829"/>
-            <a:chExt cx="1420515" cy="635742"/>
+            <a:off x="270345" y="2067531"/>
+            <a:ext cx="1411488" cy="592469"/>
           </a:xfrm>
-        </p:grpSpPr>
-        <p:sp>
-          <p:nvSpPr>
-            <p:cNvPr id="14" name="Rounded Rectangle 13">
-              <a:extLst>
-                <a:ext uri="{FF2B5EF4-FFF2-40B4-BE49-F238E27FC236}">
-                  <a16:creationId xmlns:a16="http://schemas.microsoft.com/office/drawing/2014/main" id="{BC7CD571-2C57-9244-B8F0-5B85D1BB8162}"/>
-                </a:ext>
-              </a:extLst>
-            </p:cNvPr>
-            <p:cNvSpPr/>
-            <p:nvPr/>
-          </p:nvSpPr>
-          <p:spPr>
-            <a:xfrm>
-              <a:off x="4065869" y="2269829"/>
-              <a:ext cx="1203290" cy="635742"/>
-            </a:xfrm>
-            <a:prstGeom prst="roundRect">
-              <a:avLst/>
-            </a:prstGeom>
-            <a:noFill/>
-            <a:ln>
-              <a:solidFill>
-                <a:schemeClr val="tx1"/>
-              </a:solidFill>
-            </a:ln>
-          </p:spPr>
-          <p:style>
-            <a:lnRef idx="2">
-              <a:schemeClr val="accent1">
-                <a:shade val="50000"/>
-              </a:schemeClr>
-            </a:lnRef>
-            <a:fillRef idx="1">
-              <a:schemeClr val="accent1"/>
-            </a:fillRef>
-            <a:effectRef idx="0">
-              <a:schemeClr val="accent1"/>
-            </a:effectRef>
-            <a:fontRef idx="minor">
-              <a:schemeClr val="lt1"/>
-            </a:fontRef>
-          </p:style>
-          <p:txBody>
-            <a:bodyPr rtlCol="0" anchor="ctr"/>
-            <a:lstStyle/>
-            <a:p>
-              <a:pPr algn="ctr"/>
-              <a:endParaRPr lang="en-US"/>
-            </a:p>
-          </p:txBody>
-        </p:sp>
-        <p:sp>
-          <p:nvSpPr>
-            <p:cNvPr id="30" name="TextBox 29">
-              <a:extLst>
-                <a:ext uri="{FF2B5EF4-FFF2-40B4-BE49-F238E27FC236}">
-                  <a16:creationId xmlns:a16="http://schemas.microsoft.com/office/drawing/2014/main" id="{39AC5541-99C5-C046-BEF3-6AD12531432D}"/>
-                </a:ext>
-              </a:extLst>
-            </p:cNvPr>
-            <p:cNvSpPr txBox="1"/>
-            <p:nvPr/>
-          </p:nvSpPr>
-          <p:spPr>
-            <a:xfrm>
-              <a:off x="3980244" y="2377507"/>
-              <a:ext cx="1420515" cy="415498"/>
-            </a:xfrm>
-            <a:prstGeom prst="rect">
-              <a:avLst/>
-            </a:prstGeom>
-            <a:noFill/>
-          </p:spPr>
-          <p:txBody>
-            <a:bodyPr wrap="square" rtlCol="0">
-              <a:spAutoFit/>
-            </a:bodyPr>
-            <a:lstStyle/>
-            <a:p>
-              <a:pPr algn="ctr"/>
-              <a:r>
-                <a:rPr lang="en-US" sz="1050" dirty="0"/>
-                <a:t>Papers collected</a:t>
-              </a:r>
-            </a:p>
-            <a:p>
-              <a:pPr algn="ctr"/>
-              <a:r>
-                <a:rPr lang="en-US" sz="1050" dirty="0"/>
-                <a:t>(N = 447)</a:t>
-              </a:r>
-            </a:p>
-          </p:txBody>
-        </p:sp>
-      </p:grpSp>
-      <p:grpSp>
-        <p:nvGrpSpPr>
-          <p:cNvPr id="53" name="Group 52">
+          <a:prstGeom prst="roundRect">
+            <a:avLst/>
+          </a:prstGeom>
+          <a:noFill/>
+          <a:ln>
+            <a:solidFill>
+              <a:schemeClr val="tx1"/>
+            </a:solidFill>
+          </a:ln>
+        </p:spPr>
+        <p:style>
+          <a:lnRef idx="2">
+            <a:schemeClr val="accent1">
+              <a:shade val="50000"/>
+            </a:schemeClr>
+          </a:lnRef>
+          <a:fillRef idx="1">
+            <a:schemeClr val="accent1"/>
+          </a:fillRef>
+          <a:effectRef idx="0">
+            <a:schemeClr val="accent1"/>
+          </a:effectRef>
+          <a:fontRef idx="minor">
+            <a:schemeClr val="lt1"/>
+          </a:fontRef>
+        </p:style>
+        <p:txBody>
+          <a:bodyPr rtlCol="0" anchor="ctr"/>
+          <a:lstStyle/>
+          <a:p>
+            <a:pPr algn="ctr"/>
+            <a:r>
+              <a:rPr lang="en-CA" sz="1100" dirty="0">
+                <a:solidFill>
+                  <a:schemeClr val="tx1"/>
+                </a:solidFill>
+                <a:latin typeface="Times New Roman" panose="02020603050405020304" pitchFamily="18" charset="0"/>
+                <a:cs typeface="Times New Roman" panose="02020603050405020304" pitchFamily="18" charset="0"/>
+              </a:rPr>
+              <a:t>Records after duplicates removed</a:t>
+            </a:r>
+          </a:p>
+          <a:p>
+            <a:pPr algn="ctr"/>
+            <a:r>
+              <a:rPr lang="en-CA" sz="1100" dirty="0">
+                <a:solidFill>
+                  <a:schemeClr val="tx1"/>
+                </a:solidFill>
+                <a:latin typeface="Times New Roman" panose="02020603050405020304" pitchFamily="18" charset="0"/>
+                <a:cs typeface="Times New Roman" panose="02020603050405020304" pitchFamily="18" charset="0"/>
+              </a:rPr>
+              <a:t>(N = 393)</a:t>
+            </a:r>
+          </a:p>
+        </p:txBody>
+      </p:sp>
+      <p:sp>
+        <p:nvSpPr>
+          <p:cNvPr id="8" name="Rectangle: Rounded Corners 7">
             <a:extLst>
               <a:ext uri="{FF2B5EF4-FFF2-40B4-BE49-F238E27FC236}">
-                <a16:creationId xmlns:a16="http://schemas.microsoft.com/office/drawing/2014/main" id="{9BC4BCFC-3728-D546-934E-C68D93C0DC07}"/>
+                <a16:creationId xmlns:a16="http://schemas.microsoft.com/office/drawing/2014/main" id="{7DB66C9A-A88D-4C91-AE7E-A67EDA2D68E5}"/>
               </a:ext>
             </a:extLst>
           </p:cNvPr>
-          <p:cNvGrpSpPr/>
+          <p:cNvSpPr/>
           <p:nvPr/>
-        </p:nvGrpSpPr>
-        <p:grpSpPr>
+        </p:nvSpPr>
+        <p:spPr>
           <a:xfrm>
-            <a:off x="5571691" y="3594667"/>
-            <a:ext cx="1317003" cy="464024"/>
-            <a:chOff x="5581937" y="3171984"/>
-            <a:chExt cx="1317003" cy="464024"/>
+            <a:off x="270345" y="2855002"/>
+            <a:ext cx="1411488" cy="727350"/>
           </a:xfrm>
-        </p:grpSpPr>
-        <p:sp>
-          <p:nvSpPr>
-            <p:cNvPr id="23" name="Rounded Rectangle 22">
-              <a:extLst>
-                <a:ext uri="{FF2B5EF4-FFF2-40B4-BE49-F238E27FC236}">
-                  <a16:creationId xmlns:a16="http://schemas.microsoft.com/office/drawing/2014/main" id="{73AAD1F8-2A57-4B4D-B568-44990FD4976E}"/>
-                </a:ext>
-              </a:extLst>
-            </p:cNvPr>
-            <p:cNvSpPr/>
-            <p:nvPr/>
-          </p:nvSpPr>
-          <p:spPr>
-            <a:xfrm>
-              <a:off x="5581937" y="3171984"/>
-              <a:ext cx="1276063" cy="464024"/>
-            </a:xfrm>
-            <a:prstGeom prst="roundRect">
-              <a:avLst/>
-            </a:prstGeom>
-            <a:noFill/>
-            <a:ln>
-              <a:solidFill>
-                <a:schemeClr val="tx1"/>
-              </a:solidFill>
-            </a:ln>
-          </p:spPr>
-          <p:style>
-            <a:lnRef idx="2">
-              <a:schemeClr val="accent1">
-                <a:shade val="50000"/>
-              </a:schemeClr>
-            </a:lnRef>
-            <a:fillRef idx="1">
-              <a:schemeClr val="accent1"/>
-            </a:fillRef>
-            <a:effectRef idx="0">
-              <a:schemeClr val="accent1"/>
-            </a:effectRef>
-            <a:fontRef idx="minor">
-              <a:schemeClr val="lt1"/>
-            </a:fontRef>
-          </p:style>
-          <p:txBody>
-            <a:bodyPr rtlCol="0" anchor="ctr"/>
-            <a:lstStyle/>
-            <a:p>
-              <a:pPr algn="ctr"/>
-              <a:endParaRPr lang="en-US"/>
-            </a:p>
-          </p:txBody>
-        </p:sp>
-        <p:sp>
-          <p:nvSpPr>
-            <p:cNvPr id="35" name="TextBox 34">
-              <a:extLst>
-                <a:ext uri="{FF2B5EF4-FFF2-40B4-BE49-F238E27FC236}">
-                  <a16:creationId xmlns:a16="http://schemas.microsoft.com/office/drawing/2014/main" id="{AB0D166A-1CC2-ED4A-B8D7-F71FD2D4CB3D}"/>
-                </a:ext>
-              </a:extLst>
-            </p:cNvPr>
-            <p:cNvSpPr txBox="1"/>
-            <p:nvPr/>
-          </p:nvSpPr>
-          <p:spPr>
-            <a:xfrm>
-              <a:off x="5622877" y="3264126"/>
-              <a:ext cx="1276063" cy="253916"/>
-            </a:xfrm>
-            <a:prstGeom prst="rect">
-              <a:avLst/>
-            </a:prstGeom>
-            <a:noFill/>
-          </p:spPr>
-          <p:txBody>
-            <a:bodyPr wrap="square" rtlCol="0">
-              <a:spAutoFit/>
-            </a:bodyPr>
-            <a:lstStyle/>
-            <a:p>
-              <a:r>
-                <a:rPr lang="en-US" sz="1050" dirty="0"/>
-                <a:t>Duplicate (N = 54)</a:t>
-              </a:r>
-            </a:p>
-          </p:txBody>
-        </p:sp>
-      </p:grpSp>
-      <p:grpSp>
-        <p:nvGrpSpPr>
-          <p:cNvPr id="54" name="Group 53">
+          <a:prstGeom prst="roundRect">
+            <a:avLst/>
+          </a:prstGeom>
+          <a:noFill/>
+          <a:ln>
+            <a:solidFill>
+              <a:schemeClr val="tx1"/>
+            </a:solidFill>
+          </a:ln>
+        </p:spPr>
+        <p:style>
+          <a:lnRef idx="2">
+            <a:schemeClr val="accent1">
+              <a:shade val="50000"/>
+            </a:schemeClr>
+          </a:lnRef>
+          <a:fillRef idx="1">
+            <a:schemeClr val="accent1"/>
+          </a:fillRef>
+          <a:effectRef idx="0">
+            <a:schemeClr val="accent1"/>
+          </a:effectRef>
+          <a:fontRef idx="minor">
+            <a:schemeClr val="lt1"/>
+          </a:fontRef>
+        </p:style>
+        <p:txBody>
+          <a:bodyPr rtlCol="0" anchor="ctr"/>
+          <a:lstStyle/>
+          <a:p>
+            <a:pPr algn="ctr"/>
+            <a:r>
+              <a:rPr lang="en-CA" sz="1100" dirty="0">
+                <a:solidFill>
+                  <a:schemeClr val="tx1"/>
+                </a:solidFill>
+                <a:latin typeface="Times New Roman" panose="02020603050405020304" pitchFamily="18" charset="0"/>
+                <a:cs typeface="Times New Roman" panose="02020603050405020304" pitchFamily="18" charset="0"/>
+              </a:rPr>
+              <a:t>Papers after removing incorrect framework</a:t>
+            </a:r>
+          </a:p>
+          <a:p>
+            <a:pPr algn="ctr"/>
+            <a:r>
+              <a:rPr lang="en-CA" sz="1100" dirty="0">
+                <a:solidFill>
+                  <a:schemeClr val="tx1"/>
+                </a:solidFill>
+                <a:latin typeface="Times New Roman" panose="02020603050405020304" pitchFamily="18" charset="0"/>
+                <a:cs typeface="Times New Roman" panose="02020603050405020304" pitchFamily="18" charset="0"/>
+              </a:rPr>
+              <a:t>(N = 344)</a:t>
+            </a:r>
+          </a:p>
+        </p:txBody>
+      </p:sp>
+      <p:sp>
+        <p:nvSpPr>
+          <p:cNvPr id="9" name="Rectangle: Rounded Corners 8">
             <a:extLst>
               <a:ext uri="{FF2B5EF4-FFF2-40B4-BE49-F238E27FC236}">
-                <a16:creationId xmlns:a16="http://schemas.microsoft.com/office/drawing/2014/main" id="{43708D8D-6AF8-B74C-B6CE-9C3E13299E24}"/>
+                <a16:creationId xmlns:a16="http://schemas.microsoft.com/office/drawing/2014/main" id="{6C778809-6417-4BE7-9BC6-5943E2E8ED80}"/>
               </a:ext>
             </a:extLst>
           </p:cNvPr>
-          <p:cNvGrpSpPr/>
+          <p:cNvSpPr/>
           <p:nvPr/>
-        </p:nvGrpSpPr>
-        <p:grpSpPr>
+        </p:nvSpPr>
+        <p:spPr>
           <a:xfrm>
-            <a:off x="5571690" y="4582031"/>
-            <a:ext cx="1276063" cy="464024"/>
-            <a:chOff x="5554637" y="4064829"/>
-            <a:chExt cx="1276063" cy="464024"/>
+            <a:off x="270345" y="3777353"/>
+            <a:ext cx="1411488" cy="1089133"/>
           </a:xfrm>
-        </p:grpSpPr>
-        <p:sp>
-          <p:nvSpPr>
-            <p:cNvPr id="24" name="Rounded Rectangle 23">
-              <a:extLst>
-                <a:ext uri="{FF2B5EF4-FFF2-40B4-BE49-F238E27FC236}">
-                  <a16:creationId xmlns:a16="http://schemas.microsoft.com/office/drawing/2014/main" id="{43D7BF80-60E7-404D-B36D-117A87D394AD}"/>
-                </a:ext>
-              </a:extLst>
-            </p:cNvPr>
-            <p:cNvSpPr/>
-            <p:nvPr/>
-          </p:nvSpPr>
-          <p:spPr>
-            <a:xfrm>
-              <a:off x="5554637" y="4064829"/>
-              <a:ext cx="1276063" cy="464024"/>
-            </a:xfrm>
-            <a:prstGeom prst="roundRect">
-              <a:avLst/>
-            </a:prstGeom>
-            <a:noFill/>
-            <a:ln>
-              <a:solidFill>
-                <a:schemeClr val="tx1"/>
-              </a:solidFill>
-            </a:ln>
-          </p:spPr>
-          <p:style>
-            <a:lnRef idx="2">
-              <a:schemeClr val="accent1">
-                <a:shade val="50000"/>
-              </a:schemeClr>
-            </a:lnRef>
-            <a:fillRef idx="1">
-              <a:schemeClr val="accent1"/>
-            </a:fillRef>
-            <a:effectRef idx="0">
-              <a:schemeClr val="accent1"/>
-            </a:effectRef>
-            <a:fontRef idx="minor">
-              <a:schemeClr val="lt1"/>
-            </a:fontRef>
-          </p:style>
-          <p:txBody>
-            <a:bodyPr rtlCol="0" anchor="ctr"/>
-            <a:lstStyle/>
-            <a:p>
-              <a:pPr algn="ctr"/>
-              <a:endParaRPr lang="en-US"/>
-            </a:p>
-          </p:txBody>
-        </p:sp>
-        <p:sp>
-          <p:nvSpPr>
-            <p:cNvPr id="38" name="TextBox 37">
-              <a:extLst>
-                <a:ext uri="{FF2B5EF4-FFF2-40B4-BE49-F238E27FC236}">
-                  <a16:creationId xmlns:a16="http://schemas.microsoft.com/office/drawing/2014/main" id="{C5F74D22-554F-9A43-ABFE-7EE95FE148AE}"/>
-                </a:ext>
-              </a:extLst>
-            </p:cNvPr>
-            <p:cNvSpPr txBox="1"/>
-            <p:nvPr/>
-          </p:nvSpPr>
-          <p:spPr>
-            <a:xfrm>
-              <a:off x="5554637" y="4064829"/>
-              <a:ext cx="1276063" cy="415498"/>
-            </a:xfrm>
-            <a:prstGeom prst="rect">
-              <a:avLst/>
-            </a:prstGeom>
-            <a:noFill/>
-          </p:spPr>
-          <p:txBody>
-            <a:bodyPr wrap="square" rtlCol="0">
-              <a:spAutoFit/>
-            </a:bodyPr>
-            <a:lstStyle/>
-            <a:p>
-              <a:pPr algn="ctr"/>
-              <a:r>
-                <a:rPr lang="en-US" sz="1050" dirty="0"/>
-                <a:t>Incorrect framework (N = 49)</a:t>
-              </a:r>
-            </a:p>
-          </p:txBody>
-        </p:sp>
-      </p:grpSp>
-      <p:grpSp>
-        <p:nvGrpSpPr>
-          <p:cNvPr id="51" name="Group 50">
+          <a:prstGeom prst="roundRect">
+            <a:avLst/>
+          </a:prstGeom>
+          <a:noFill/>
+          <a:ln>
+            <a:solidFill>
+              <a:schemeClr val="tx1"/>
+            </a:solidFill>
+          </a:ln>
+        </p:spPr>
+        <p:style>
+          <a:lnRef idx="2">
+            <a:schemeClr val="accent1">
+              <a:shade val="50000"/>
+            </a:schemeClr>
+          </a:lnRef>
+          <a:fillRef idx="1">
+            <a:schemeClr val="accent1"/>
+          </a:fillRef>
+          <a:effectRef idx="0">
+            <a:schemeClr val="accent1"/>
+          </a:effectRef>
+          <a:fontRef idx="minor">
+            <a:schemeClr val="lt1"/>
+          </a:fontRef>
+        </p:style>
+        <p:txBody>
+          <a:bodyPr rtlCol="0" anchor="ctr"/>
+          <a:lstStyle/>
+          <a:p>
+            <a:pPr algn="ctr"/>
+            <a:r>
+              <a:rPr lang="en-CA" sz="1100" dirty="0">
+                <a:solidFill>
+                  <a:schemeClr val="tx1"/>
+                </a:solidFill>
+                <a:latin typeface="Times New Roman" panose="02020603050405020304" pitchFamily="18" charset="0"/>
+                <a:cs typeface="Times New Roman" panose="02020603050405020304" pitchFamily="18" charset="0"/>
+              </a:rPr>
+              <a:t>Papers after removing incorrect or missing experimental design elements</a:t>
+            </a:r>
+          </a:p>
+          <a:p>
+            <a:pPr algn="ctr"/>
+            <a:r>
+              <a:rPr lang="en-CA" sz="1100" dirty="0">
+                <a:solidFill>
+                  <a:schemeClr val="tx1"/>
+                </a:solidFill>
+                <a:latin typeface="Times New Roman" panose="02020603050405020304" pitchFamily="18" charset="0"/>
+                <a:cs typeface="Times New Roman" panose="02020603050405020304" pitchFamily="18" charset="0"/>
+              </a:rPr>
+              <a:t>(N = 167)</a:t>
+            </a:r>
+          </a:p>
+        </p:txBody>
+      </p:sp>
+      <p:sp>
+        <p:nvSpPr>
+          <p:cNvPr id="10" name="Rectangle: Rounded Corners 9">
             <a:extLst>
               <a:ext uri="{FF2B5EF4-FFF2-40B4-BE49-F238E27FC236}">
-                <a16:creationId xmlns:a16="http://schemas.microsoft.com/office/drawing/2014/main" id="{313FEC9A-87B0-6B40-961C-3DDDB2506828}"/>
+                <a16:creationId xmlns:a16="http://schemas.microsoft.com/office/drawing/2014/main" id="{4DCC803C-F3C1-4D7C-8048-F80A3AB21569}"/>
               </a:ext>
             </a:extLst>
           </p:cNvPr>
-          <p:cNvGrpSpPr/>
+          <p:cNvSpPr/>
           <p:nvPr/>
-        </p:nvGrpSpPr>
-        <p:grpSpPr>
+        </p:nvSpPr>
+        <p:spPr>
           <a:xfrm>
-            <a:off x="5571690" y="5602147"/>
-            <a:ext cx="1276063" cy="740471"/>
-            <a:chOff x="5554637" y="4835035"/>
-            <a:chExt cx="1276063" cy="740471"/>
+            <a:off x="270345" y="5061487"/>
+            <a:ext cx="1411488" cy="602490"/>
           </a:xfrm>
-        </p:grpSpPr>
-        <p:sp>
-          <p:nvSpPr>
-            <p:cNvPr id="25" name="Rounded Rectangle 24">
-              <a:extLst>
-                <a:ext uri="{FF2B5EF4-FFF2-40B4-BE49-F238E27FC236}">
-                  <a16:creationId xmlns:a16="http://schemas.microsoft.com/office/drawing/2014/main" id="{4F967B8C-E8DB-644E-9743-4CCDCB1D86A3}"/>
-                </a:ext>
-              </a:extLst>
-            </p:cNvPr>
-            <p:cNvSpPr/>
-            <p:nvPr/>
-          </p:nvSpPr>
-          <p:spPr>
-            <a:xfrm>
-              <a:off x="5554637" y="4848490"/>
-              <a:ext cx="1276063" cy="727016"/>
-            </a:xfrm>
-            <a:prstGeom prst="roundRect">
-              <a:avLst/>
-            </a:prstGeom>
-            <a:noFill/>
-            <a:ln>
-              <a:solidFill>
-                <a:schemeClr val="tx1"/>
-              </a:solidFill>
-            </a:ln>
-          </p:spPr>
-          <p:style>
-            <a:lnRef idx="2">
-              <a:schemeClr val="accent1">
-                <a:shade val="50000"/>
-              </a:schemeClr>
-            </a:lnRef>
-            <a:fillRef idx="1">
-              <a:schemeClr val="accent1"/>
-            </a:fillRef>
-            <a:effectRef idx="0">
-              <a:schemeClr val="accent1"/>
-            </a:effectRef>
-            <a:fontRef idx="minor">
-              <a:schemeClr val="lt1"/>
-            </a:fontRef>
-          </p:style>
-          <p:txBody>
-            <a:bodyPr rtlCol="0" anchor="ctr"/>
-            <a:lstStyle/>
-            <a:p>
-              <a:pPr algn="ctr"/>
-              <a:endParaRPr lang="en-US"/>
-            </a:p>
-          </p:txBody>
-        </p:sp>
-        <p:sp>
-          <p:nvSpPr>
-            <p:cNvPr id="39" name="TextBox 38">
-              <a:extLst>
-                <a:ext uri="{FF2B5EF4-FFF2-40B4-BE49-F238E27FC236}">
-                  <a16:creationId xmlns:a16="http://schemas.microsoft.com/office/drawing/2014/main" id="{72E07D71-3BF6-5841-9D51-5B502F1488CC}"/>
-                </a:ext>
-              </a:extLst>
-            </p:cNvPr>
-            <p:cNvSpPr txBox="1"/>
-            <p:nvPr/>
-          </p:nvSpPr>
-          <p:spPr>
-            <a:xfrm>
-              <a:off x="5554637" y="4835035"/>
-              <a:ext cx="1276063" cy="738664"/>
-            </a:xfrm>
-            <a:prstGeom prst="rect">
-              <a:avLst/>
-            </a:prstGeom>
-            <a:noFill/>
-          </p:spPr>
-          <p:txBody>
-            <a:bodyPr wrap="square" rtlCol="0">
-              <a:spAutoFit/>
-            </a:bodyPr>
-            <a:lstStyle/>
-            <a:p>
-              <a:pPr algn="ctr"/>
-              <a:r>
-                <a:rPr lang="en-US" sz="1050" dirty="0"/>
-                <a:t>Incorrect or missing experimental design elements </a:t>
-              </a:r>
-            </a:p>
-            <a:p>
-              <a:pPr algn="ctr"/>
-              <a:r>
-                <a:rPr lang="en-US" sz="1050" dirty="0"/>
-                <a:t>(N = 179)</a:t>
-              </a:r>
-            </a:p>
-          </p:txBody>
-        </p:sp>
-      </p:grpSp>
-      <p:grpSp>
-        <p:nvGrpSpPr>
-          <p:cNvPr id="58" name="Group 57">
+          <a:prstGeom prst="roundRect">
+            <a:avLst/>
+          </a:prstGeom>
+          <a:noFill/>
+          <a:ln>
+            <a:solidFill>
+              <a:schemeClr val="tx1"/>
+            </a:solidFill>
+          </a:ln>
+        </p:spPr>
+        <p:style>
+          <a:lnRef idx="2">
+            <a:schemeClr val="accent1">
+              <a:shade val="50000"/>
+            </a:schemeClr>
+          </a:lnRef>
+          <a:fillRef idx="1">
+            <a:schemeClr val="accent1"/>
+          </a:fillRef>
+          <a:effectRef idx="0">
+            <a:schemeClr val="accent1"/>
+          </a:effectRef>
+          <a:fontRef idx="minor">
+            <a:schemeClr val="lt1"/>
+          </a:fontRef>
+        </p:style>
+        <p:txBody>
+          <a:bodyPr rtlCol="0" anchor="ctr"/>
+          <a:lstStyle/>
+          <a:p>
+            <a:pPr algn="ctr"/>
+            <a:r>
+              <a:rPr lang="en-CA" sz="1100" dirty="0">
+                <a:solidFill>
+                  <a:schemeClr val="tx1"/>
+                </a:solidFill>
+                <a:latin typeface="Times New Roman" panose="02020603050405020304" pitchFamily="18" charset="0"/>
+                <a:cs typeface="Times New Roman" panose="02020603050405020304" pitchFamily="18" charset="0"/>
+              </a:rPr>
+              <a:t>Papers included in meta-analysis</a:t>
+            </a:r>
+          </a:p>
+          <a:p>
+            <a:pPr algn="ctr"/>
+            <a:r>
+              <a:rPr lang="en-CA" sz="1100" dirty="0">
+                <a:solidFill>
+                  <a:schemeClr val="tx1"/>
+                </a:solidFill>
+                <a:latin typeface="Times New Roman" panose="02020603050405020304" pitchFamily="18" charset="0"/>
+                <a:cs typeface="Times New Roman" panose="02020603050405020304" pitchFamily="18" charset="0"/>
+              </a:rPr>
+              <a:t>(N = 35)</a:t>
+            </a:r>
+          </a:p>
+        </p:txBody>
+      </p:sp>
+      <p:sp>
+        <p:nvSpPr>
+          <p:cNvPr id="11" name="Rectangle: Rounded Corners 10">
             <a:extLst>
               <a:ext uri="{FF2B5EF4-FFF2-40B4-BE49-F238E27FC236}">
-                <a16:creationId xmlns:a16="http://schemas.microsoft.com/office/drawing/2014/main" id="{95B5FAA7-E37B-4740-AB37-64140A6C9CA1}"/>
+                <a16:creationId xmlns:a16="http://schemas.microsoft.com/office/drawing/2014/main" id="{9C818F76-99E5-42B7-BF55-73C8ABE70EF8}"/>
               </a:ext>
             </a:extLst>
           </p:cNvPr>
-          <p:cNvGrpSpPr/>
+          <p:cNvSpPr/>
           <p:nvPr/>
-        </p:nvGrpSpPr>
-        <p:grpSpPr>
+        </p:nvSpPr>
+        <p:spPr>
           <a:xfrm>
-            <a:off x="3779533" y="3512323"/>
-            <a:ext cx="1420515" cy="635742"/>
-            <a:chOff x="4010724" y="3146168"/>
-            <a:chExt cx="1420515" cy="635742"/>
+            <a:off x="1914343" y="2067531"/>
+            <a:ext cx="1411488" cy="592469"/>
           </a:xfrm>
-        </p:grpSpPr>
-        <p:sp>
-          <p:nvSpPr>
-            <p:cNvPr id="40" name="Rounded Rectangle 39">
-              <a:extLst>
-                <a:ext uri="{FF2B5EF4-FFF2-40B4-BE49-F238E27FC236}">
-                  <a16:creationId xmlns:a16="http://schemas.microsoft.com/office/drawing/2014/main" id="{5EFC646D-3061-594C-ABDD-16CA37F61A17}"/>
-                </a:ext>
-              </a:extLst>
-            </p:cNvPr>
-            <p:cNvSpPr/>
-            <p:nvPr/>
-          </p:nvSpPr>
-          <p:spPr>
-            <a:xfrm>
-              <a:off x="4119337" y="3146168"/>
-              <a:ext cx="1203290" cy="635742"/>
-            </a:xfrm>
-            <a:prstGeom prst="roundRect">
-              <a:avLst/>
-            </a:prstGeom>
-            <a:noFill/>
-            <a:ln>
-              <a:solidFill>
-                <a:schemeClr val="tx1"/>
-              </a:solidFill>
-            </a:ln>
-          </p:spPr>
-          <p:style>
-            <a:lnRef idx="2">
-              <a:schemeClr val="accent1">
-                <a:shade val="50000"/>
-              </a:schemeClr>
-            </a:lnRef>
-            <a:fillRef idx="1">
-              <a:schemeClr val="accent1"/>
-            </a:fillRef>
-            <a:effectRef idx="0">
-              <a:schemeClr val="accent1"/>
-            </a:effectRef>
-            <a:fontRef idx="minor">
-              <a:schemeClr val="lt1"/>
-            </a:fontRef>
-          </p:style>
-          <p:txBody>
-            <a:bodyPr rtlCol="0" anchor="ctr"/>
-            <a:lstStyle/>
-            <a:p>
-              <a:pPr algn="ctr"/>
-              <a:endParaRPr lang="en-US"/>
-            </a:p>
-          </p:txBody>
-        </p:sp>
-        <p:sp>
-          <p:nvSpPr>
-            <p:cNvPr id="41" name="TextBox 40">
-              <a:extLst>
-                <a:ext uri="{FF2B5EF4-FFF2-40B4-BE49-F238E27FC236}">
-                  <a16:creationId xmlns:a16="http://schemas.microsoft.com/office/drawing/2014/main" id="{99F0E64E-E576-2E44-A686-849776F7E0F9}"/>
-                </a:ext>
-              </a:extLst>
-            </p:cNvPr>
-            <p:cNvSpPr txBox="1"/>
-            <p:nvPr/>
-          </p:nvSpPr>
-          <p:spPr>
-            <a:xfrm>
-              <a:off x="4010724" y="3171984"/>
-              <a:ext cx="1420515" cy="577081"/>
-            </a:xfrm>
-            <a:prstGeom prst="rect">
-              <a:avLst/>
-            </a:prstGeom>
-            <a:noFill/>
-          </p:spPr>
-          <p:txBody>
-            <a:bodyPr wrap="square" rtlCol="0">
-              <a:spAutoFit/>
-            </a:bodyPr>
-            <a:lstStyle/>
-            <a:p>
-              <a:pPr algn="ctr"/>
-              <a:r>
-                <a:rPr lang="en-US" sz="1050" dirty="0"/>
-                <a:t>Records after duplicates removed</a:t>
-              </a:r>
-            </a:p>
-            <a:p>
-              <a:pPr algn="ctr"/>
-              <a:r>
-                <a:rPr lang="en-US" sz="1050" dirty="0"/>
-                <a:t>(N = 393)</a:t>
-              </a:r>
-            </a:p>
-          </p:txBody>
-        </p:sp>
-      </p:grpSp>
-      <p:grpSp>
-        <p:nvGrpSpPr>
-          <p:cNvPr id="50" name="Group 49">
+          <a:prstGeom prst="roundRect">
+            <a:avLst/>
+          </a:prstGeom>
+          <a:noFill/>
+          <a:ln>
+            <a:solidFill>
+              <a:schemeClr val="tx1"/>
+            </a:solidFill>
+          </a:ln>
+        </p:spPr>
+        <p:style>
+          <a:lnRef idx="2">
+            <a:schemeClr val="accent1">
+              <a:shade val="50000"/>
+            </a:schemeClr>
+          </a:lnRef>
+          <a:fillRef idx="1">
+            <a:schemeClr val="accent1"/>
+          </a:fillRef>
+          <a:effectRef idx="0">
+            <a:schemeClr val="accent1"/>
+          </a:effectRef>
+          <a:fontRef idx="minor">
+            <a:schemeClr val="lt1"/>
+          </a:fontRef>
+        </p:style>
+        <p:txBody>
+          <a:bodyPr rtlCol="0" anchor="ctr"/>
+          <a:lstStyle/>
+          <a:p>
+            <a:pPr algn="ctr"/>
+            <a:r>
+              <a:rPr lang="en-CA" sz="1100" dirty="0">
+                <a:solidFill>
+                  <a:schemeClr val="tx1"/>
+                </a:solidFill>
+                <a:latin typeface="Times New Roman" panose="02020603050405020304" pitchFamily="18" charset="0"/>
+                <a:cs typeface="Times New Roman" panose="02020603050405020304" pitchFamily="18" charset="0"/>
+              </a:rPr>
+              <a:t>Duplicate</a:t>
+            </a:r>
+          </a:p>
+          <a:p>
+            <a:pPr algn="ctr"/>
+            <a:r>
+              <a:rPr lang="en-CA" sz="1100" dirty="0">
+                <a:solidFill>
+                  <a:schemeClr val="tx1"/>
+                </a:solidFill>
+                <a:latin typeface="Times New Roman" panose="02020603050405020304" pitchFamily="18" charset="0"/>
+                <a:cs typeface="Times New Roman" panose="02020603050405020304" pitchFamily="18" charset="0"/>
+              </a:rPr>
+              <a:t>(N = 54)</a:t>
+            </a:r>
+          </a:p>
+        </p:txBody>
+      </p:sp>
+      <p:sp>
+        <p:nvSpPr>
+          <p:cNvPr id="12" name="Rectangle: Rounded Corners 11">
             <a:extLst>
               <a:ext uri="{FF2B5EF4-FFF2-40B4-BE49-F238E27FC236}">
-                <a16:creationId xmlns:a16="http://schemas.microsoft.com/office/drawing/2014/main" id="{DDCD8A20-4190-A242-9A73-683A68B6D86A}"/>
+                <a16:creationId xmlns:a16="http://schemas.microsoft.com/office/drawing/2014/main" id="{82CCCB15-F359-40E4-B3E2-18E5FA008FAD}"/>
               </a:ext>
             </a:extLst>
           </p:cNvPr>
-          <p:cNvGrpSpPr/>
+          <p:cNvSpPr/>
           <p:nvPr/>
-        </p:nvGrpSpPr>
-        <p:grpSpPr>
+        </p:nvSpPr>
+        <p:spPr>
           <a:xfrm>
-            <a:off x="3908081" y="6874096"/>
-            <a:ext cx="1258435" cy="635742"/>
-            <a:chOff x="4070133" y="6523409"/>
-            <a:chExt cx="1258435" cy="635742"/>
+            <a:off x="1914343" y="2922442"/>
+            <a:ext cx="1411488" cy="592469"/>
           </a:xfrm>
-        </p:grpSpPr>
-        <p:sp>
-          <p:nvSpPr>
-            <p:cNvPr id="42" name="Rounded Rectangle 41">
-              <a:extLst>
-                <a:ext uri="{FF2B5EF4-FFF2-40B4-BE49-F238E27FC236}">
-                  <a16:creationId xmlns:a16="http://schemas.microsoft.com/office/drawing/2014/main" id="{A13A97FA-906C-914E-B193-7E62E37D4C5A}"/>
-                </a:ext>
-              </a:extLst>
-            </p:cNvPr>
-            <p:cNvSpPr/>
-            <p:nvPr/>
-          </p:nvSpPr>
-          <p:spPr>
-            <a:xfrm>
-              <a:off x="4097706" y="6523409"/>
-              <a:ext cx="1203290" cy="635742"/>
-            </a:xfrm>
-            <a:prstGeom prst="roundRect">
-              <a:avLst/>
-            </a:prstGeom>
-            <a:noFill/>
-            <a:ln>
-              <a:solidFill>
-                <a:schemeClr val="tx1"/>
-              </a:solidFill>
-            </a:ln>
-          </p:spPr>
-          <p:style>
-            <a:lnRef idx="2">
-              <a:schemeClr val="accent1">
-                <a:shade val="50000"/>
-              </a:schemeClr>
-            </a:lnRef>
-            <a:fillRef idx="1">
-              <a:schemeClr val="accent1"/>
-            </a:fillRef>
-            <a:effectRef idx="0">
-              <a:schemeClr val="accent1"/>
-            </a:effectRef>
-            <a:fontRef idx="minor">
-              <a:schemeClr val="lt1"/>
-            </a:fontRef>
-          </p:style>
-          <p:txBody>
-            <a:bodyPr rtlCol="0" anchor="ctr"/>
-            <a:lstStyle/>
-            <a:p>
-              <a:pPr algn="ctr"/>
-              <a:endParaRPr lang="en-US"/>
-            </a:p>
-          </p:txBody>
-        </p:sp>
-        <p:sp>
-          <p:nvSpPr>
-            <p:cNvPr id="43" name="TextBox 42">
-              <a:extLst>
-                <a:ext uri="{FF2B5EF4-FFF2-40B4-BE49-F238E27FC236}">
-                  <a16:creationId xmlns:a16="http://schemas.microsoft.com/office/drawing/2014/main" id="{7403D3A0-ED37-1C4C-83DF-E4FE303BC00F}"/>
-                </a:ext>
-              </a:extLst>
-            </p:cNvPr>
-            <p:cNvSpPr txBox="1"/>
-            <p:nvPr/>
-          </p:nvSpPr>
-          <p:spPr>
-            <a:xfrm>
-              <a:off x="4070133" y="6582070"/>
-              <a:ext cx="1258435" cy="577081"/>
-            </a:xfrm>
-            <a:prstGeom prst="rect">
-              <a:avLst/>
-            </a:prstGeom>
-            <a:noFill/>
-          </p:spPr>
-          <p:txBody>
-            <a:bodyPr wrap="square" rtlCol="0">
-              <a:spAutoFit/>
-            </a:bodyPr>
-            <a:lstStyle/>
-            <a:p>
-              <a:pPr algn="ctr"/>
-              <a:r>
-                <a:rPr lang="en-US" sz="1050" dirty="0"/>
-                <a:t>Papers included in meta-analysis</a:t>
-              </a:r>
-            </a:p>
-            <a:p>
-              <a:pPr algn="ctr"/>
-              <a:r>
-                <a:rPr lang="en-US" sz="1050" dirty="0"/>
-                <a:t>(N </a:t>
-              </a:r>
-              <a:r>
-                <a:rPr lang="en-US" sz="1050"/>
-                <a:t>= 35)</a:t>
-              </a:r>
-              <a:endParaRPr lang="en-US" sz="1050" dirty="0"/>
-            </a:p>
-          </p:txBody>
-        </p:sp>
-      </p:grpSp>
-      <p:grpSp>
-        <p:nvGrpSpPr>
-          <p:cNvPr id="57" name="Group 56">
+          <a:prstGeom prst="roundRect">
+            <a:avLst/>
+          </a:prstGeom>
+          <a:noFill/>
+          <a:ln>
+            <a:solidFill>
+              <a:schemeClr val="tx1"/>
+            </a:solidFill>
+          </a:ln>
+        </p:spPr>
+        <p:style>
+          <a:lnRef idx="2">
+            <a:schemeClr val="accent1">
+              <a:shade val="50000"/>
+            </a:schemeClr>
+          </a:lnRef>
+          <a:fillRef idx="1">
+            <a:schemeClr val="accent1"/>
+          </a:fillRef>
+          <a:effectRef idx="0">
+            <a:schemeClr val="accent1"/>
+          </a:effectRef>
+          <a:fontRef idx="minor">
+            <a:schemeClr val="lt1"/>
+          </a:fontRef>
+        </p:style>
+        <p:txBody>
+          <a:bodyPr rtlCol="0" anchor="ctr"/>
+          <a:lstStyle/>
+          <a:p>
+            <a:pPr algn="ctr"/>
+            <a:r>
+              <a:rPr lang="en-CA" sz="1100" dirty="0">
+                <a:solidFill>
+                  <a:schemeClr val="tx1"/>
+                </a:solidFill>
+                <a:latin typeface="Times New Roman" panose="02020603050405020304" pitchFamily="18" charset="0"/>
+                <a:cs typeface="Times New Roman" panose="02020603050405020304" pitchFamily="18" charset="0"/>
+              </a:rPr>
+              <a:t>Incorrect Framework</a:t>
+            </a:r>
+          </a:p>
+          <a:p>
+            <a:pPr algn="ctr"/>
+            <a:r>
+              <a:rPr lang="en-CA" sz="1100" dirty="0">
+                <a:solidFill>
+                  <a:schemeClr val="tx1"/>
+                </a:solidFill>
+                <a:latin typeface="Times New Roman" panose="02020603050405020304" pitchFamily="18" charset="0"/>
+                <a:cs typeface="Times New Roman" panose="02020603050405020304" pitchFamily="18" charset="0"/>
+              </a:rPr>
+              <a:t>(N = 49)</a:t>
+            </a:r>
+          </a:p>
+        </p:txBody>
+      </p:sp>
+      <p:sp>
+        <p:nvSpPr>
+          <p:cNvPr id="13" name="Rectangle: Rounded Corners 12">
             <a:extLst>
               <a:ext uri="{FF2B5EF4-FFF2-40B4-BE49-F238E27FC236}">
-                <a16:creationId xmlns:a16="http://schemas.microsoft.com/office/drawing/2014/main" id="{8739C1A1-F9C2-5247-8EAF-553529C238A0}"/>
+                <a16:creationId xmlns:a16="http://schemas.microsoft.com/office/drawing/2014/main" id="{6241C113-7B2D-4DDA-8AE4-C6D5E98BC203}"/>
               </a:ext>
             </a:extLst>
           </p:cNvPr>
-          <p:cNvGrpSpPr/>
+          <p:cNvSpPr/>
           <p:nvPr/>
-        </p:nvGrpSpPr>
-        <p:grpSpPr>
+        </p:nvSpPr>
+        <p:spPr>
           <a:xfrm>
-            <a:off x="3779533" y="4520110"/>
-            <a:ext cx="1420515" cy="814818"/>
-            <a:chOff x="4028918" y="4072739"/>
-            <a:chExt cx="1420515" cy="814818"/>
+            <a:off x="1914343" y="3938220"/>
+            <a:ext cx="1411488" cy="767398"/>
           </a:xfrm>
-        </p:grpSpPr>
-        <p:sp>
-          <p:nvSpPr>
-            <p:cNvPr id="16" name="Rounded Rectangle 15">
-              <a:extLst>
-                <a:ext uri="{FF2B5EF4-FFF2-40B4-BE49-F238E27FC236}">
-                  <a16:creationId xmlns:a16="http://schemas.microsoft.com/office/drawing/2014/main" id="{E21FF20E-5F14-CA48-BDEA-5DDDF1D8C5E5}"/>
-                </a:ext>
-              </a:extLst>
-            </p:cNvPr>
-            <p:cNvSpPr/>
-            <p:nvPr/>
-          </p:nvSpPr>
-          <p:spPr>
-            <a:xfrm>
-              <a:off x="4119337" y="4072739"/>
-              <a:ext cx="1203290" cy="649386"/>
-            </a:xfrm>
-            <a:prstGeom prst="roundRect">
-              <a:avLst/>
-            </a:prstGeom>
-            <a:noFill/>
-            <a:ln>
-              <a:solidFill>
-                <a:schemeClr val="tx1"/>
-              </a:solidFill>
-            </a:ln>
-          </p:spPr>
-          <p:style>
-            <a:lnRef idx="2">
-              <a:schemeClr val="accent1">
-                <a:shade val="50000"/>
-              </a:schemeClr>
-            </a:lnRef>
-            <a:fillRef idx="1">
-              <a:schemeClr val="accent1"/>
-            </a:fillRef>
-            <a:effectRef idx="0">
-              <a:schemeClr val="accent1"/>
-            </a:effectRef>
-            <a:fontRef idx="minor">
-              <a:schemeClr val="lt1"/>
-            </a:fontRef>
-          </p:style>
-          <p:txBody>
-            <a:bodyPr rtlCol="0" anchor="ctr"/>
-            <a:lstStyle/>
-            <a:p>
-              <a:pPr algn="ctr"/>
-              <a:endParaRPr lang="en-US"/>
-            </a:p>
-          </p:txBody>
-        </p:sp>
-        <p:sp>
-          <p:nvSpPr>
-            <p:cNvPr id="45" name="TextBox 44">
-              <a:extLst>
-                <a:ext uri="{FF2B5EF4-FFF2-40B4-BE49-F238E27FC236}">
-                  <a16:creationId xmlns:a16="http://schemas.microsoft.com/office/drawing/2014/main" id="{D991B7A6-DCEC-7B43-A2DF-D86C288BD818}"/>
-                </a:ext>
-              </a:extLst>
-            </p:cNvPr>
-            <p:cNvSpPr txBox="1"/>
-            <p:nvPr/>
-          </p:nvSpPr>
-          <p:spPr>
-            <a:xfrm>
-              <a:off x="4028918" y="4148893"/>
-              <a:ext cx="1420515" cy="738664"/>
-            </a:xfrm>
-            <a:prstGeom prst="rect">
-              <a:avLst/>
-            </a:prstGeom>
-            <a:noFill/>
-          </p:spPr>
-          <p:txBody>
-            <a:bodyPr wrap="square" rtlCol="0">
-              <a:spAutoFit/>
-            </a:bodyPr>
-            <a:lstStyle/>
-            <a:p>
-              <a:pPr algn="ctr"/>
-              <a:r>
-                <a:rPr lang="en-US" sz="1050" dirty="0"/>
-                <a:t>Papers after removing incorrect framework </a:t>
-              </a:r>
-            </a:p>
-            <a:p>
-              <a:pPr algn="ctr"/>
-              <a:r>
-                <a:rPr lang="en-US" sz="1050" dirty="0"/>
-                <a:t>(N = 344)</a:t>
-              </a:r>
-            </a:p>
-            <a:p>
-              <a:pPr algn="ctr"/>
-              <a:endParaRPr lang="en-US" sz="1050" dirty="0"/>
-            </a:p>
-          </p:txBody>
-        </p:sp>
-      </p:grpSp>
-      <p:grpSp>
-        <p:nvGrpSpPr>
-          <p:cNvPr id="52" name="Group 51">
+          <a:prstGeom prst="roundRect">
+            <a:avLst/>
+          </a:prstGeom>
+          <a:noFill/>
+          <a:ln>
+            <a:solidFill>
+              <a:schemeClr val="tx1"/>
+            </a:solidFill>
+          </a:ln>
+        </p:spPr>
+        <p:style>
+          <a:lnRef idx="2">
+            <a:schemeClr val="accent1">
+              <a:shade val="50000"/>
+            </a:schemeClr>
+          </a:lnRef>
+          <a:fillRef idx="1">
+            <a:schemeClr val="accent1"/>
+          </a:fillRef>
+          <a:effectRef idx="0">
+            <a:schemeClr val="accent1"/>
+          </a:effectRef>
+          <a:fontRef idx="minor">
+            <a:schemeClr val="lt1"/>
+          </a:fontRef>
+        </p:style>
+        <p:txBody>
+          <a:bodyPr rtlCol="0" anchor="ctr"/>
+          <a:lstStyle/>
+          <a:p>
+            <a:pPr algn="ctr"/>
+            <a:r>
+              <a:rPr lang="en-CA" sz="1100" dirty="0">
+                <a:solidFill>
+                  <a:schemeClr val="tx1"/>
+                </a:solidFill>
+                <a:latin typeface="Times New Roman" panose="02020603050405020304" pitchFamily="18" charset="0"/>
+                <a:cs typeface="Times New Roman" panose="02020603050405020304" pitchFamily="18" charset="0"/>
+              </a:rPr>
+              <a:t>Incorrect or missing experiments design elements</a:t>
+            </a:r>
+          </a:p>
+          <a:p>
+            <a:pPr algn="ctr"/>
+            <a:r>
+              <a:rPr lang="en-CA" sz="1100" dirty="0">
+                <a:solidFill>
+                  <a:schemeClr val="tx1"/>
+                </a:solidFill>
+                <a:latin typeface="Times New Roman" panose="02020603050405020304" pitchFamily="18" charset="0"/>
+                <a:cs typeface="Times New Roman" panose="02020603050405020304" pitchFamily="18" charset="0"/>
+              </a:rPr>
+              <a:t>(N = 179)</a:t>
+            </a:r>
+          </a:p>
+        </p:txBody>
+      </p:sp>
+      <p:cxnSp>
+        <p:nvCxnSpPr>
+          <p:cNvPr id="15" name="Connector: Elbow 14">
             <a:extLst>
               <a:ext uri="{FF2B5EF4-FFF2-40B4-BE49-F238E27FC236}">
-                <a16:creationId xmlns:a16="http://schemas.microsoft.com/office/drawing/2014/main" id="{6AEDA81E-0DB1-E64C-B1B7-9031ABA7D228}"/>
-              </a:ext>
-            </a:extLst>
-          </p:cNvPr>
-          <p:cNvGrpSpPr/>
-          <p:nvPr/>
-        </p:nvGrpSpPr>
-        <p:grpSpPr>
-          <a:xfrm>
-            <a:off x="3869952" y="5487941"/>
-            <a:ext cx="1276063" cy="1075703"/>
-            <a:chOff x="4070133" y="5107576"/>
-            <a:chExt cx="1276063" cy="1075703"/>
-          </a:xfrm>
-        </p:grpSpPr>
-        <p:sp>
-          <p:nvSpPr>
-            <p:cNvPr id="46" name="TextBox 45">
-              <a:extLst>
-                <a:ext uri="{FF2B5EF4-FFF2-40B4-BE49-F238E27FC236}">
-                  <a16:creationId xmlns:a16="http://schemas.microsoft.com/office/drawing/2014/main" id="{7CBAE065-0808-1043-8087-47EB5D02B90D}"/>
-                </a:ext>
-              </a:extLst>
-            </p:cNvPr>
-            <p:cNvSpPr txBox="1"/>
-            <p:nvPr/>
-          </p:nvSpPr>
-          <p:spPr>
-            <a:xfrm>
-              <a:off x="4070133" y="5121450"/>
-              <a:ext cx="1276063" cy="1061829"/>
-            </a:xfrm>
-            <a:prstGeom prst="rect">
-              <a:avLst/>
-            </a:prstGeom>
-            <a:noFill/>
-          </p:spPr>
-          <p:txBody>
-            <a:bodyPr wrap="square" rtlCol="0">
-              <a:spAutoFit/>
-            </a:bodyPr>
-            <a:lstStyle/>
-            <a:p>
-              <a:pPr algn="ctr"/>
-              <a:r>
-                <a:rPr lang="en-US" sz="1050" dirty="0"/>
-                <a:t>Papers after removing incorrect or missing experimental design elements </a:t>
-              </a:r>
-            </a:p>
-            <a:p>
-              <a:pPr algn="ctr"/>
-              <a:r>
-                <a:rPr lang="en-US" sz="1050" dirty="0"/>
-                <a:t>(N = 167)</a:t>
-              </a:r>
-            </a:p>
-          </p:txBody>
-        </p:sp>
-        <p:sp>
-          <p:nvSpPr>
-            <p:cNvPr id="48" name="Rounded Rectangle 47">
-              <a:extLst>
-                <a:ext uri="{FF2B5EF4-FFF2-40B4-BE49-F238E27FC236}">
-                  <a16:creationId xmlns:a16="http://schemas.microsoft.com/office/drawing/2014/main" id="{5865357C-467D-F14B-B518-F745E9B1FEFC}"/>
-                </a:ext>
-              </a:extLst>
-            </p:cNvPr>
-            <p:cNvSpPr/>
-            <p:nvPr/>
-          </p:nvSpPr>
-          <p:spPr>
-            <a:xfrm>
-              <a:off x="4119337" y="5107576"/>
-              <a:ext cx="1128223" cy="1053473"/>
-            </a:xfrm>
-            <a:prstGeom prst="roundRect">
-              <a:avLst/>
-            </a:prstGeom>
-            <a:noFill/>
-            <a:ln>
-              <a:solidFill>
-                <a:schemeClr val="tx1"/>
-              </a:solidFill>
-            </a:ln>
-          </p:spPr>
-          <p:style>
-            <a:lnRef idx="2">
-              <a:schemeClr val="accent1">
-                <a:shade val="50000"/>
-              </a:schemeClr>
-            </a:lnRef>
-            <a:fillRef idx="1">
-              <a:schemeClr val="accent1"/>
-            </a:fillRef>
-            <a:effectRef idx="0">
-              <a:schemeClr val="accent1"/>
-            </a:effectRef>
-            <a:fontRef idx="minor">
-              <a:schemeClr val="lt1"/>
-            </a:fontRef>
-          </p:style>
-          <p:txBody>
-            <a:bodyPr rtlCol="0" anchor="ctr"/>
-            <a:lstStyle/>
-            <a:p>
-              <a:pPr algn="ctr"/>
-              <a:endParaRPr lang="en-US"/>
-            </a:p>
-          </p:txBody>
-        </p:sp>
-      </p:grpSp>
-      <p:cxnSp>
-        <p:nvCxnSpPr>
-          <p:cNvPr id="66" name="Straight Arrow Connector 65">
-            <a:extLst>
-              <a:ext uri="{FF2B5EF4-FFF2-40B4-BE49-F238E27FC236}">
-                <a16:creationId xmlns:a16="http://schemas.microsoft.com/office/drawing/2014/main" id="{7A2CB454-AEB1-F444-AAB5-87CE0C6C1628}"/>
+                <a16:creationId xmlns:a16="http://schemas.microsoft.com/office/drawing/2014/main" id="{25849791-F507-4285-9E61-735F3E80A796}"/>
               </a:ext>
             </a:extLst>
           </p:cNvPr>
           <p:cNvCxnSpPr>
-            <a:cxnSpLocks/>
-            <a:stCxn id="14" idx="2"/>
-            <a:endCxn id="40" idx="0"/>
+            <a:stCxn id="4" idx="2"/>
+            <a:endCxn id="6" idx="0"/>
           </p:cNvCxnSpPr>
           <p:nvPr/>
         </p:nvCxnSpPr>
         <p:spPr>
-          <a:xfrm>
-            <a:off x="4483832" y="3163657"/>
-            <a:ext cx="5959" cy="348666"/>
+          <a:xfrm rot="16200000" flipH="1">
+            <a:off x="549756" y="853729"/>
+            <a:ext cx="323904" cy="528761"/>
           </a:xfrm>
-          <a:prstGeom prst="straightConnector1">
+          <a:prstGeom prst="bentConnector3">
             <a:avLst/>
           </a:prstGeom>
           <a:ln>
-            <a:solidFill>
-              <a:schemeClr val="tx1"/>
-            </a:solidFill>
             <a:tailEnd type="triangle"/>
           </a:ln>
         </p:spPr>
         <p:style>
-          <a:lnRef idx="1">
-            <a:schemeClr val="accent1"/>
+          <a:lnRef idx="2">
+            <a:schemeClr val="dk1"/>
           </a:lnRef>
           <a:fillRef idx="0">
-            <a:schemeClr val="accent1"/>
+            <a:schemeClr val="dk1"/>
           </a:fillRef>
-          <a:effectRef idx="0">
-            <a:schemeClr val="accent1"/>
+          <a:effectRef idx="1">
+            <a:schemeClr val="dk1"/>
           </a:effectRef>
           <a:fontRef idx="minor">
             <a:schemeClr val="tx1"/>
@@ -4184,43 +3786,41 @@
       </p:cxnSp>
       <p:cxnSp>
         <p:nvCxnSpPr>
-          <p:cNvPr id="67" name="Straight Arrow Connector 66">
+          <p:cNvPr id="17" name="Connector: Elbow 16">
             <a:extLst>
               <a:ext uri="{FF2B5EF4-FFF2-40B4-BE49-F238E27FC236}">
-                <a16:creationId xmlns:a16="http://schemas.microsoft.com/office/drawing/2014/main" id="{232CF258-6D29-DB4C-BA4F-5FB98B8EA3BD}"/>
+                <a16:creationId xmlns:a16="http://schemas.microsoft.com/office/drawing/2014/main" id="{1C8D793A-DEAF-4FB8-9A02-E3FAEC2407AD}"/>
               </a:ext>
             </a:extLst>
           </p:cNvPr>
           <p:cNvCxnSpPr>
             <a:cxnSpLocks/>
-            <a:endCxn id="16" idx="0"/>
+            <a:stCxn id="5" idx="2"/>
+            <a:endCxn id="6" idx="0"/>
           </p:cNvCxnSpPr>
           <p:nvPr/>
         </p:nvCxnSpPr>
         <p:spPr>
-          <a:xfrm>
-            <a:off x="4471597" y="4177643"/>
-            <a:ext cx="0" cy="342467"/>
+          <a:xfrm rot="5400000">
+            <a:off x="1090445" y="841802"/>
+            <a:ext cx="323904" cy="552616"/>
           </a:xfrm>
-          <a:prstGeom prst="straightConnector1">
+          <a:prstGeom prst="bentConnector3">
             <a:avLst/>
           </a:prstGeom>
           <a:ln>
-            <a:solidFill>
-              <a:schemeClr val="tx1"/>
-            </a:solidFill>
             <a:tailEnd type="triangle"/>
           </a:ln>
         </p:spPr>
         <p:style>
-          <a:lnRef idx="1">
-            <a:schemeClr val="accent1"/>
+          <a:lnRef idx="2">
+            <a:schemeClr val="dk1"/>
           </a:lnRef>
           <a:fillRef idx="0">
-            <a:schemeClr val="accent1"/>
+            <a:schemeClr val="dk1"/>
           </a:fillRef>
-          <a:effectRef idx="0">
-            <a:schemeClr val="accent1"/>
+          <a:effectRef idx="1">
+            <a:schemeClr val="dk1"/>
           </a:effectRef>
           <a:fontRef idx="minor">
             <a:schemeClr val="tx1"/>
@@ -4229,43 +3829,40 @@
       </p:cxnSp>
       <p:cxnSp>
         <p:nvCxnSpPr>
-          <p:cNvPr id="68" name="Straight Arrow Connector 67">
+          <p:cNvPr id="34" name="Straight Arrow Connector 33">
             <a:extLst>
               <a:ext uri="{FF2B5EF4-FFF2-40B4-BE49-F238E27FC236}">
-                <a16:creationId xmlns:a16="http://schemas.microsoft.com/office/drawing/2014/main" id="{8323AB16-46EC-1B4B-89F6-F7AEAD534D2E}"/>
+                <a16:creationId xmlns:a16="http://schemas.microsoft.com/office/drawing/2014/main" id="{F0E6B287-5607-4749-9914-9FDC0C02D110}"/>
               </a:ext>
             </a:extLst>
           </p:cNvPr>
           <p:cNvCxnSpPr>
-            <a:cxnSpLocks/>
-            <a:endCxn id="46" idx="0"/>
+            <a:stCxn id="6" idx="2"/>
+            <a:endCxn id="7" idx="0"/>
           </p:cNvCxnSpPr>
           <p:nvPr/>
         </p:nvCxnSpPr>
         <p:spPr>
           <a:xfrm>
-            <a:off x="4507983" y="5166812"/>
-            <a:ext cx="1" cy="335003"/>
+            <a:off x="976089" y="1872531"/>
+            <a:ext cx="0" cy="195000"/>
           </a:xfrm>
           <a:prstGeom prst="straightConnector1">
             <a:avLst/>
           </a:prstGeom>
           <a:ln>
-            <a:solidFill>
-              <a:schemeClr val="tx1"/>
-            </a:solidFill>
             <a:tailEnd type="triangle"/>
           </a:ln>
         </p:spPr>
         <p:style>
-          <a:lnRef idx="1">
-            <a:schemeClr val="accent1"/>
+          <a:lnRef idx="2">
+            <a:schemeClr val="dk1"/>
           </a:lnRef>
           <a:fillRef idx="0">
-            <a:schemeClr val="accent1"/>
+            <a:schemeClr val="dk1"/>
           </a:fillRef>
-          <a:effectRef idx="0">
-            <a:schemeClr val="accent1"/>
+          <a:effectRef idx="1">
+            <a:schemeClr val="dk1"/>
           </a:effectRef>
           <a:fontRef idx="minor">
             <a:schemeClr val="tx1"/>
@@ -4274,42 +3871,40 @@
       </p:cxnSp>
       <p:cxnSp>
         <p:nvCxnSpPr>
-          <p:cNvPr id="71" name="Straight Arrow Connector 70">
+          <p:cNvPr id="36" name="Straight Arrow Connector 35">
             <a:extLst>
               <a:ext uri="{FF2B5EF4-FFF2-40B4-BE49-F238E27FC236}">
-                <a16:creationId xmlns:a16="http://schemas.microsoft.com/office/drawing/2014/main" id="{49700E91-6450-CE46-A17A-1497A8D1E8C7}"/>
+                <a16:creationId xmlns:a16="http://schemas.microsoft.com/office/drawing/2014/main" id="{EA1599E0-7556-4CB9-97B1-93568856B552}"/>
               </a:ext>
             </a:extLst>
           </p:cNvPr>
           <p:cNvCxnSpPr>
-            <a:cxnSpLocks/>
+            <a:stCxn id="7" idx="2"/>
+            <a:endCxn id="8" idx="0"/>
           </p:cNvCxnSpPr>
           <p:nvPr/>
         </p:nvCxnSpPr>
         <p:spPr>
           <a:xfrm>
-            <a:off x="4523903" y="6533873"/>
-            <a:ext cx="1" cy="335003"/>
+            <a:off x="976089" y="2660000"/>
+            <a:ext cx="0" cy="195002"/>
           </a:xfrm>
           <a:prstGeom prst="straightConnector1">
             <a:avLst/>
           </a:prstGeom>
           <a:ln>
-            <a:solidFill>
-              <a:schemeClr val="tx1"/>
-            </a:solidFill>
             <a:tailEnd type="triangle"/>
           </a:ln>
         </p:spPr>
         <p:style>
-          <a:lnRef idx="1">
-            <a:schemeClr val="accent1"/>
+          <a:lnRef idx="2">
+            <a:schemeClr val="dk1"/>
           </a:lnRef>
           <a:fillRef idx="0">
-            <a:schemeClr val="accent1"/>
+            <a:schemeClr val="dk1"/>
           </a:fillRef>
-          <a:effectRef idx="0">
-            <a:schemeClr val="accent1"/>
+          <a:effectRef idx="1">
+            <a:schemeClr val="dk1"/>
           </a:effectRef>
           <a:fontRef idx="minor">
             <a:schemeClr val="tx1"/>
@@ -4318,43 +3913,40 @@
       </p:cxnSp>
       <p:cxnSp>
         <p:nvCxnSpPr>
-          <p:cNvPr id="74" name="Straight Arrow Connector 73">
+          <p:cNvPr id="38" name="Straight Arrow Connector 37">
             <a:extLst>
               <a:ext uri="{FF2B5EF4-FFF2-40B4-BE49-F238E27FC236}">
-                <a16:creationId xmlns:a16="http://schemas.microsoft.com/office/drawing/2014/main" id="{E2FC72B4-4711-D54D-9685-D2A24B46BADF}"/>
+                <a16:creationId xmlns:a16="http://schemas.microsoft.com/office/drawing/2014/main" id="{D3B66CAA-D781-44A4-BE51-73036D246A86}"/>
               </a:ext>
             </a:extLst>
           </p:cNvPr>
           <p:cNvCxnSpPr>
-            <a:cxnSpLocks/>
-            <a:endCxn id="23" idx="1"/>
+            <a:stCxn id="8" idx="2"/>
+            <a:endCxn id="9" idx="0"/>
           </p:cNvCxnSpPr>
           <p:nvPr/>
         </p:nvCxnSpPr>
         <p:spPr>
           <a:xfrm>
-            <a:off x="5085477" y="3826679"/>
-            <a:ext cx="486214" cy="0"/>
+            <a:off x="976089" y="3582352"/>
+            <a:ext cx="0" cy="195001"/>
           </a:xfrm>
           <a:prstGeom prst="straightConnector1">
             <a:avLst/>
           </a:prstGeom>
           <a:ln>
-            <a:solidFill>
-              <a:schemeClr val="tx1"/>
-            </a:solidFill>
             <a:tailEnd type="triangle"/>
           </a:ln>
         </p:spPr>
         <p:style>
-          <a:lnRef idx="1">
-            <a:schemeClr val="accent1"/>
+          <a:lnRef idx="2">
+            <a:schemeClr val="dk1"/>
           </a:lnRef>
           <a:fillRef idx="0">
-            <a:schemeClr val="accent1"/>
+            <a:schemeClr val="dk1"/>
           </a:fillRef>
-          <a:effectRef idx="0">
-            <a:schemeClr val="accent1"/>
+          <a:effectRef idx="1">
+            <a:schemeClr val="dk1"/>
           </a:effectRef>
           <a:fontRef idx="minor">
             <a:schemeClr val="tx1"/>
@@ -4363,42 +3955,40 @@
       </p:cxnSp>
       <p:cxnSp>
         <p:nvCxnSpPr>
-          <p:cNvPr id="76" name="Straight Arrow Connector 75">
+          <p:cNvPr id="40" name="Straight Arrow Connector 39">
             <a:extLst>
               <a:ext uri="{FF2B5EF4-FFF2-40B4-BE49-F238E27FC236}">
-                <a16:creationId xmlns:a16="http://schemas.microsoft.com/office/drawing/2014/main" id="{111AF562-57AF-0440-A42C-3E43CEDFB2CF}"/>
+                <a16:creationId xmlns:a16="http://schemas.microsoft.com/office/drawing/2014/main" id="{2A6082A6-09C4-4FEE-8D39-80A466435CAC}"/>
               </a:ext>
             </a:extLst>
           </p:cNvPr>
           <p:cNvCxnSpPr>
-            <a:cxnSpLocks/>
+            <a:stCxn id="9" idx="2"/>
+            <a:endCxn id="10" idx="0"/>
           </p:cNvCxnSpPr>
           <p:nvPr/>
         </p:nvCxnSpPr>
         <p:spPr>
           <a:xfrm>
-            <a:off x="5085477" y="4811440"/>
-            <a:ext cx="486214" cy="0"/>
+            <a:off x="976089" y="4866486"/>
+            <a:ext cx="0" cy="195001"/>
           </a:xfrm>
           <a:prstGeom prst="straightConnector1">
             <a:avLst/>
           </a:prstGeom>
           <a:ln>
-            <a:solidFill>
-              <a:schemeClr val="tx1"/>
-            </a:solidFill>
             <a:tailEnd type="triangle"/>
           </a:ln>
         </p:spPr>
         <p:style>
-          <a:lnRef idx="1">
-            <a:schemeClr val="accent1"/>
+          <a:lnRef idx="2">
+            <a:schemeClr val="dk1"/>
           </a:lnRef>
           <a:fillRef idx="0">
-            <a:schemeClr val="accent1"/>
+            <a:schemeClr val="dk1"/>
           </a:fillRef>
-          <a:effectRef idx="0">
-            <a:schemeClr val="accent1"/>
+          <a:effectRef idx="1">
+            <a:schemeClr val="dk1"/>
           </a:effectRef>
           <a:fontRef idx="minor">
             <a:schemeClr val="tx1"/>
@@ -4407,42 +3997,40 @@
       </p:cxnSp>
       <p:cxnSp>
         <p:nvCxnSpPr>
-          <p:cNvPr id="77" name="Straight Arrow Connector 76">
+          <p:cNvPr id="42" name="Straight Arrow Connector 41">
             <a:extLst>
               <a:ext uri="{FF2B5EF4-FFF2-40B4-BE49-F238E27FC236}">
-                <a16:creationId xmlns:a16="http://schemas.microsoft.com/office/drawing/2014/main" id="{827EEAFC-E1A6-374A-880E-1CAFC7012D20}"/>
+                <a16:creationId xmlns:a16="http://schemas.microsoft.com/office/drawing/2014/main" id="{8B85CAB0-3899-49DB-A460-1E1174D39B83}"/>
               </a:ext>
             </a:extLst>
           </p:cNvPr>
           <p:cNvCxnSpPr>
-            <a:cxnSpLocks/>
+            <a:stCxn id="7" idx="3"/>
+            <a:endCxn id="11" idx="1"/>
           </p:cNvCxnSpPr>
           <p:nvPr/>
         </p:nvCxnSpPr>
         <p:spPr>
           <a:xfrm>
-            <a:off x="5085477" y="6032729"/>
-            <a:ext cx="486214" cy="0"/>
+            <a:off x="1681833" y="2363766"/>
+            <a:ext cx="232510" cy="0"/>
           </a:xfrm>
           <a:prstGeom prst="straightConnector1">
             <a:avLst/>
           </a:prstGeom>
           <a:ln>
-            <a:solidFill>
-              <a:schemeClr val="tx1"/>
-            </a:solidFill>
             <a:tailEnd type="triangle"/>
           </a:ln>
         </p:spPr>
         <p:style>
-          <a:lnRef idx="1">
-            <a:schemeClr val="accent1"/>
+          <a:lnRef idx="2">
+            <a:schemeClr val="dk1"/>
           </a:lnRef>
           <a:fillRef idx="0">
-            <a:schemeClr val="accent1"/>
+            <a:schemeClr val="dk1"/>
           </a:fillRef>
-          <a:effectRef idx="0">
-            <a:schemeClr val="accent1"/>
+          <a:effectRef idx="1">
+            <a:schemeClr val="dk1"/>
           </a:effectRef>
           <a:fontRef idx="minor">
             <a:schemeClr val="tx1"/>
@@ -4451,43 +4039,40 @@
       </p:cxnSp>
       <p:cxnSp>
         <p:nvCxnSpPr>
-          <p:cNvPr id="81" name="Curved Connector 80">
+          <p:cNvPr id="44" name="Straight Arrow Connector 43">
             <a:extLst>
               <a:ext uri="{FF2B5EF4-FFF2-40B4-BE49-F238E27FC236}">
-                <a16:creationId xmlns:a16="http://schemas.microsoft.com/office/drawing/2014/main" id="{D51608E0-7B62-D04C-BE97-89D3E2F4AC26}"/>
+                <a16:creationId xmlns:a16="http://schemas.microsoft.com/office/drawing/2014/main" id="{467E0D46-45E7-42A8-9A95-480D4DE6E71C}"/>
               </a:ext>
             </a:extLst>
           </p:cNvPr>
           <p:cNvCxnSpPr>
-            <a:stCxn id="28" idx="2"/>
-            <a:endCxn id="14" idx="0"/>
+            <a:stCxn id="8" idx="3"/>
+            <a:endCxn id="12" idx="1"/>
           </p:cNvCxnSpPr>
           <p:nvPr/>
         </p:nvCxnSpPr>
         <p:spPr>
-          <a:xfrm rot="16200000" flipH="1">
-            <a:off x="4063015" y="2107098"/>
-            <a:ext cx="329412" cy="512221"/>
+          <a:xfrm>
+            <a:off x="1681833" y="3218677"/>
+            <a:ext cx="232510" cy="0"/>
           </a:xfrm>
-          <a:prstGeom prst="curvedConnector3">
+          <a:prstGeom prst="straightConnector1">
             <a:avLst/>
           </a:prstGeom>
           <a:ln>
-            <a:solidFill>
-              <a:schemeClr val="tx1"/>
-            </a:solidFill>
             <a:tailEnd type="triangle"/>
           </a:ln>
         </p:spPr>
         <p:style>
-          <a:lnRef idx="1">
-            <a:schemeClr val="accent1"/>
+          <a:lnRef idx="2">
+            <a:schemeClr val="dk1"/>
           </a:lnRef>
           <a:fillRef idx="0">
-            <a:schemeClr val="accent1"/>
+            <a:schemeClr val="dk1"/>
           </a:fillRef>
-          <a:effectRef idx="0">
-            <a:schemeClr val="accent1"/>
+          <a:effectRef idx="1">
+            <a:schemeClr val="dk1"/>
           </a:effectRef>
           <a:fontRef idx="minor">
             <a:schemeClr val="tx1"/>
@@ -4496,44 +4081,40 @@
       </p:cxnSp>
       <p:cxnSp>
         <p:nvCxnSpPr>
-          <p:cNvPr id="83" name="Curved Connector 82">
+          <p:cNvPr id="46" name="Straight Arrow Connector 45">
             <a:extLst>
               <a:ext uri="{FF2B5EF4-FFF2-40B4-BE49-F238E27FC236}">
-                <a16:creationId xmlns:a16="http://schemas.microsoft.com/office/drawing/2014/main" id="{FAB411D6-F3A2-B34E-A0C4-8B543E6A74C1}"/>
+                <a16:creationId xmlns:a16="http://schemas.microsoft.com/office/drawing/2014/main" id="{99F2086B-C769-4D3A-9041-5D9D0E682870}"/>
               </a:ext>
             </a:extLst>
           </p:cNvPr>
           <p:cNvCxnSpPr>
-            <a:cxnSpLocks/>
-            <a:stCxn id="27" idx="2"/>
-            <a:endCxn id="14" idx="0"/>
+            <a:stCxn id="9" idx="3"/>
+            <a:endCxn id="13" idx="1"/>
           </p:cNvCxnSpPr>
           <p:nvPr/>
         </p:nvCxnSpPr>
         <p:spPr>
-          <a:xfrm rot="5400000">
-            <a:off x="4688081" y="1968439"/>
-            <a:ext cx="355228" cy="763725"/>
+          <a:xfrm flipV="1">
+            <a:off x="1681833" y="4321919"/>
+            <a:ext cx="232510" cy="1"/>
           </a:xfrm>
-          <a:prstGeom prst="curvedConnector3">
+          <a:prstGeom prst="straightConnector1">
             <a:avLst/>
           </a:prstGeom>
           <a:ln>
-            <a:solidFill>
-              <a:schemeClr val="tx1"/>
-            </a:solidFill>
             <a:tailEnd type="triangle"/>
           </a:ln>
         </p:spPr>
         <p:style>
-          <a:lnRef idx="1">
-            <a:schemeClr val="accent1"/>
+          <a:lnRef idx="2">
+            <a:schemeClr val="dk1"/>
           </a:lnRef>
           <a:fillRef idx="0">
-            <a:schemeClr val="accent1"/>
+            <a:schemeClr val="dk1"/>
           </a:fillRef>
-          <a:effectRef idx="0">
-            <a:schemeClr val="accent1"/>
+          <a:effectRef idx="1">
+            <a:schemeClr val="dk1"/>
           </a:effectRef>
           <a:fontRef idx="minor">
             <a:schemeClr val="tx1"/>
@@ -4543,7 +4124,7 @@
     </p:spTree>
     <p:extLst>
       <p:ext uri="{BB962C8B-B14F-4D97-AF65-F5344CB8AC3E}">
-        <p14:creationId xmlns:p14="http://schemas.microsoft.com/office/powerpoint/2010/main" val="720681971"/>
+        <p14:creationId xmlns:p14="http://schemas.microsoft.com/office/powerpoint/2010/main" val="4108089784"/>
       </p:ext>
     </p:extLst>
   </p:cSld>
